--- a/파이썬_강좌/5. 파이썬기초 제어문 if.pptx
+++ b/파이썬_강좌/5. 파이썬기초 제어문 if.pptx
@@ -21,7 +21,7 @@
     <p:sldId id="266" r:id="rId12"/>
     <p:sldId id="267" r:id="rId13"/>
   </p:sldIdLst>
-  <p:sldSz cx="9144000" cy="6858000" type="screen4x3"/>
+  <p:sldSz cx="12192000" cy="6858000"/>
   <p:notesSz cx="6858000" cy="9144000"/>
   <p:defaultTextStyle>
     <a:defPPr marR="0" lvl="0" algn="l" rtl="0">
@@ -255,12 +255,12 @@
   <p:extLst>
     <p:ext uri="{EFAFB233-063F-42B5-8137-9DF3F51BA10A}">
       <p15:sldGuideLst xmlns:p15="http://schemas.microsoft.com/office/powerpoint/2012/main">
-        <p15:guide id="1" orient="horz" pos="2160">
+        <p15:guide id="1" orient="horz" pos="2160" userDrawn="1">
           <p15:clr>
             <a:srgbClr val="A4A3A4"/>
           </p15:clr>
         </p15:guide>
-        <p15:guide id="2" pos="2880">
+        <p15:guide id="2" pos="3840" userDrawn="1">
           <p15:clr>
             <a:srgbClr val="A4A3A4"/>
           </p15:clr>
@@ -305,8 +305,8 @@
         </p:nvSpPr>
         <p:spPr>
           <a:xfrm>
-            <a:off x="1143309" y="685800"/>
-            <a:ext cx="4572000" cy="3429000"/>
+            <a:off x="381000" y="685800"/>
+            <a:ext cx="6096000" cy="3429000"/>
           </a:xfrm>
           <a:custGeom>
             <a:avLst/>
@@ -741,8 +741,8 @@
         </p:nvSpPr>
         <p:spPr>
           <a:xfrm>
-            <a:off x="1143309" y="685800"/>
-            <a:ext cx="4572000" cy="3429000"/>
+            <a:off x="381000" y="685800"/>
+            <a:ext cx="6096000" cy="3429000"/>
           </a:xfrm>
           <a:custGeom>
             <a:avLst/>
@@ -845,8 +845,8 @@
         </p:nvSpPr>
         <p:spPr>
           <a:xfrm>
-            <a:off x="1143309" y="685800"/>
-            <a:ext cx="4572000" cy="3429000"/>
+            <a:off x="381000" y="685800"/>
+            <a:ext cx="6096000" cy="3429000"/>
           </a:xfrm>
           <a:custGeom>
             <a:avLst/>
@@ -949,8 +949,8 @@
         </p:nvSpPr>
         <p:spPr>
           <a:xfrm>
-            <a:off x="1143000" y="685800"/>
-            <a:ext cx="4572000" cy="3429000"/>
+            <a:off x="381000" y="685800"/>
+            <a:ext cx="6096000" cy="3429000"/>
           </a:xfrm>
           <a:custGeom>
             <a:avLst/>
@@ -1053,8 +1053,8 @@
         </p:nvSpPr>
         <p:spPr>
           <a:xfrm>
-            <a:off x="1143000" y="685800"/>
-            <a:ext cx="4572000" cy="3429000"/>
+            <a:off x="381000" y="685800"/>
+            <a:ext cx="6096000" cy="3429000"/>
           </a:xfrm>
           <a:custGeom>
             <a:avLst/>
@@ -1157,8 +1157,8 @@
         </p:nvSpPr>
         <p:spPr>
           <a:xfrm>
-            <a:off x="1143309" y="685800"/>
-            <a:ext cx="4572000" cy="3429000"/>
+            <a:off x="381000" y="685800"/>
+            <a:ext cx="6096000" cy="3429000"/>
           </a:xfrm>
           <a:custGeom>
             <a:avLst/>
@@ -1261,8 +1261,8 @@
         </p:nvSpPr>
         <p:spPr>
           <a:xfrm>
-            <a:off x="1143000" y="685800"/>
-            <a:ext cx="4572000" cy="3429000"/>
+            <a:off x="381000" y="685800"/>
+            <a:ext cx="6096000" cy="3429000"/>
           </a:xfrm>
           <a:custGeom>
             <a:avLst/>
@@ -1365,8 +1365,8 @@
         </p:nvSpPr>
         <p:spPr>
           <a:xfrm>
-            <a:off x="1143000" y="685800"/>
-            <a:ext cx="4572000" cy="3429000"/>
+            <a:off x="381000" y="685800"/>
+            <a:ext cx="6096000" cy="3429000"/>
           </a:xfrm>
           <a:custGeom>
             <a:avLst/>
@@ -1469,8 +1469,8 @@
         </p:nvSpPr>
         <p:spPr>
           <a:xfrm>
-            <a:off x="1143309" y="685800"/>
-            <a:ext cx="4572000" cy="3429000"/>
+            <a:off x="381000" y="685800"/>
+            <a:ext cx="6096000" cy="3429000"/>
           </a:xfrm>
           <a:custGeom>
             <a:avLst/>
@@ -1573,8 +1573,8 @@
         </p:nvSpPr>
         <p:spPr>
           <a:xfrm>
-            <a:off x="1143000" y="685800"/>
-            <a:ext cx="4572000" cy="3429000"/>
+            <a:off x="381000" y="685800"/>
+            <a:ext cx="6096000" cy="3429000"/>
           </a:xfrm>
           <a:custGeom>
             <a:avLst/>
@@ -1677,8 +1677,8 @@
         </p:nvSpPr>
         <p:spPr>
           <a:xfrm>
-            <a:off x="1143000" y="685800"/>
-            <a:ext cx="4572000" cy="3429000"/>
+            <a:off x="381000" y="685800"/>
+            <a:ext cx="6096000" cy="3429000"/>
           </a:xfrm>
           <a:custGeom>
             <a:avLst/>
@@ -1781,8 +1781,8 @@
         </p:nvSpPr>
         <p:spPr>
           <a:xfrm>
-            <a:off x="1143000" y="685800"/>
-            <a:ext cx="4572000" cy="3429000"/>
+            <a:off x="381000" y="685800"/>
+            <a:ext cx="6096000" cy="3429000"/>
           </a:xfrm>
           <a:custGeom>
             <a:avLst/>
@@ -1885,8 +1885,8 @@
         </p:nvSpPr>
         <p:spPr>
           <a:xfrm>
-            <a:off x="1143000" y="685800"/>
-            <a:ext cx="4572000" cy="3429000"/>
+            <a:off x="381000" y="685800"/>
+            <a:ext cx="6096000" cy="3429000"/>
           </a:xfrm>
           <a:custGeom>
             <a:avLst/>
@@ -1989,8 +1989,8 @@
         </p:nvSpPr>
         <p:spPr>
           <a:xfrm>
-            <a:off x="311708" y="992767"/>
-            <a:ext cx="8520600" cy="2736900"/>
+            <a:off x="415611" y="992767"/>
+            <a:ext cx="11360800" cy="2736900"/>
           </a:xfrm>
           <a:prstGeom prst="rect">
             <a:avLst/>
@@ -2118,8 +2118,8 @@
         </p:nvSpPr>
         <p:spPr>
           <a:xfrm>
-            <a:off x="311700" y="3778833"/>
-            <a:ext cx="8520600" cy="1056900"/>
+            <a:off x="415600" y="3778833"/>
+            <a:ext cx="11360800" cy="1056900"/>
           </a:xfrm>
           <a:prstGeom prst="rect">
             <a:avLst/>
@@ -2274,8 +2274,8 @@
         </p:nvSpPr>
         <p:spPr>
           <a:xfrm>
-            <a:off x="8472458" y="6217622"/>
-            <a:ext cx="548700" cy="524700"/>
+            <a:off x="11296611" y="6217622"/>
+            <a:ext cx="731600" cy="524700"/>
           </a:xfrm>
           <a:prstGeom prst="rect">
             <a:avLst/>
@@ -2324,23 +2324,45 @@
             </a:lvl9pPr>
           </a:lstStyle>
           <a:p>
-            <a:pPr marL="0" lvl="0" indent="0" algn="r" rtl="0">
-              <a:spcBef>
-                <a:spcPts val="0"/>
-              </a:spcBef>
-              <a:spcAft>
-                <a:spcPts val="0"/>
-              </a:spcAft>
-              <a:buNone/>
-            </a:pPr>
             <a:fld id="{00000000-1234-1234-1234-123412341234}" type="slidenum">
-              <a:rPr lang="en"/>
+              <a:rPr lang="en" smtClean="0"/>
+              <a:pPr/>
               <a:t>‹#›</a:t>
             </a:fld>
-            <a:endParaRPr/>
+            <a:endParaRPr lang="en"/>
           </a:p>
         </p:txBody>
       </p:sp>
+      <p:pic>
+        <p:nvPicPr>
+          <p:cNvPr id="2" name="그림 1">
+            <a:extLst>
+              <a:ext uri="{FF2B5EF4-FFF2-40B4-BE49-F238E27FC236}">
+                <a16:creationId xmlns:a16="http://schemas.microsoft.com/office/drawing/2014/main" id="{73B980E8-F40D-0041-DADD-3A18131185CD}"/>
+              </a:ext>
+            </a:extLst>
+          </p:cNvPr>
+          <p:cNvPicPr>
+            <a:picLocks noChangeAspect="1"/>
+          </p:cNvPicPr>
+          <p:nvPr userDrawn="1"/>
+        </p:nvPicPr>
+        <p:blipFill>
+          <a:blip r:embed="rId2"/>
+          <a:stretch>
+            <a:fillRect/>
+          </a:stretch>
+        </p:blipFill>
+        <p:spPr>
+          <a:xfrm>
+            <a:off x="4772910" y="4688868"/>
+            <a:ext cx="2646180" cy="1046769"/>
+          </a:xfrm>
+          <a:prstGeom prst="rect">
+            <a:avLst/>
+          </a:prstGeom>
+        </p:spPr>
+      </p:pic>
     </p:spTree>
   </p:cSld>
   <p:clrMapOvr>
@@ -2378,8 +2400,8 @@
         </p:nvSpPr>
         <p:spPr>
           <a:xfrm>
-            <a:off x="311700" y="1474833"/>
-            <a:ext cx="8520600" cy="2618100"/>
+            <a:off x="415600" y="1474833"/>
+            <a:ext cx="11360800" cy="2618100"/>
           </a:xfrm>
           <a:prstGeom prst="rect">
             <a:avLst/>
@@ -2509,8 +2531,8 @@
         </p:nvSpPr>
         <p:spPr>
           <a:xfrm>
-            <a:off x="311700" y="4202967"/>
-            <a:ext cx="8520600" cy="1734300"/>
+            <a:off x="415600" y="4202967"/>
+            <a:ext cx="11360800" cy="1734300"/>
           </a:xfrm>
           <a:prstGeom prst="rect">
             <a:avLst/>
@@ -2638,8 +2660,8 @@
         </p:nvSpPr>
         <p:spPr>
           <a:xfrm>
-            <a:off x="8472458" y="6217622"/>
-            <a:ext cx="548700" cy="524700"/>
+            <a:off x="11296611" y="6217622"/>
+            <a:ext cx="731600" cy="524700"/>
           </a:xfrm>
           <a:prstGeom prst="rect">
             <a:avLst/>
@@ -2688,20 +2710,12 @@
             </a:lvl9pPr>
           </a:lstStyle>
           <a:p>
-            <a:pPr marL="0" lvl="0" indent="0" algn="r" rtl="0">
-              <a:spcBef>
-                <a:spcPts val="0"/>
-              </a:spcBef>
-              <a:spcAft>
-                <a:spcPts val="0"/>
-              </a:spcAft>
-              <a:buNone/>
-            </a:pPr>
             <a:fld id="{00000000-1234-1234-1234-123412341234}" type="slidenum">
-              <a:rPr lang="en"/>
+              <a:rPr lang="en" smtClean="0"/>
+              <a:pPr/>
               <a:t>‹#›</a:t>
             </a:fld>
-            <a:endParaRPr/>
+            <a:endParaRPr lang="en"/>
           </a:p>
         </p:txBody>
       </p:sp>
@@ -2742,8 +2756,8 @@
         </p:nvSpPr>
         <p:spPr>
           <a:xfrm>
-            <a:off x="8472458" y="6217622"/>
-            <a:ext cx="548700" cy="524700"/>
+            <a:off x="11296611" y="6217622"/>
+            <a:ext cx="731600" cy="524700"/>
           </a:xfrm>
           <a:prstGeom prst="rect">
             <a:avLst/>
@@ -2792,20 +2806,12 @@
             </a:lvl9pPr>
           </a:lstStyle>
           <a:p>
-            <a:pPr marL="0" lvl="0" indent="0" algn="r" rtl="0">
-              <a:spcBef>
-                <a:spcPts val="0"/>
-              </a:spcBef>
-              <a:spcAft>
-                <a:spcPts val="0"/>
-              </a:spcAft>
-              <a:buNone/>
-            </a:pPr>
             <a:fld id="{00000000-1234-1234-1234-123412341234}" type="slidenum">
-              <a:rPr lang="en"/>
+              <a:rPr lang="en" smtClean="0"/>
+              <a:pPr/>
               <a:t>‹#›</a:t>
             </a:fld>
-            <a:endParaRPr/>
+            <a:endParaRPr lang="en"/>
           </a:p>
         </p:txBody>
       </p:sp>
@@ -2846,8 +2852,8 @@
         </p:nvSpPr>
         <p:spPr>
           <a:xfrm>
-            <a:off x="311700" y="2867800"/>
-            <a:ext cx="8520600" cy="1122300"/>
+            <a:off x="415600" y="2867800"/>
+            <a:ext cx="11360800" cy="1122300"/>
           </a:xfrm>
           <a:prstGeom prst="rect">
             <a:avLst/>
@@ -2975,8 +2981,8 @@
         </p:nvSpPr>
         <p:spPr>
           <a:xfrm>
-            <a:off x="8472458" y="6217622"/>
-            <a:ext cx="548700" cy="524700"/>
+            <a:off x="11296611" y="6217622"/>
+            <a:ext cx="731600" cy="524700"/>
           </a:xfrm>
           <a:prstGeom prst="rect">
             <a:avLst/>
@@ -3025,20 +3031,12 @@
             </a:lvl9pPr>
           </a:lstStyle>
           <a:p>
-            <a:pPr marL="0" lvl="0" indent="0" algn="r" rtl="0">
-              <a:spcBef>
-                <a:spcPts val="0"/>
-              </a:spcBef>
-              <a:spcAft>
-                <a:spcPts val="0"/>
-              </a:spcAft>
-              <a:buNone/>
-            </a:pPr>
             <a:fld id="{00000000-1234-1234-1234-123412341234}" type="slidenum">
-              <a:rPr lang="en"/>
+              <a:rPr lang="en" smtClean="0"/>
+              <a:pPr/>
               <a:t>‹#›</a:t>
             </a:fld>
-            <a:endParaRPr/>
+            <a:endParaRPr lang="en"/>
           </a:p>
         </p:txBody>
       </p:sp>
@@ -3079,8 +3077,8 @@
         </p:nvSpPr>
         <p:spPr>
           <a:xfrm>
-            <a:off x="311700" y="593367"/>
-            <a:ext cx="8520600" cy="763500"/>
+            <a:off x="415600" y="593367"/>
+            <a:ext cx="11360800" cy="763500"/>
           </a:xfrm>
           <a:prstGeom prst="rect">
             <a:avLst/>
@@ -3208,8 +3206,8 @@
         </p:nvSpPr>
         <p:spPr>
           <a:xfrm>
-            <a:off x="311700" y="1536633"/>
-            <a:ext cx="8520600" cy="4555200"/>
+            <a:off x="415600" y="1536633"/>
+            <a:ext cx="11360800" cy="4555200"/>
           </a:xfrm>
           <a:prstGeom prst="rect">
             <a:avLst/>
@@ -3337,8 +3335,8 @@
         </p:nvSpPr>
         <p:spPr>
           <a:xfrm>
-            <a:off x="8472458" y="6217622"/>
-            <a:ext cx="548700" cy="524700"/>
+            <a:off x="11296611" y="6217622"/>
+            <a:ext cx="731600" cy="524700"/>
           </a:xfrm>
           <a:prstGeom prst="rect">
             <a:avLst/>
@@ -3387,20 +3385,12 @@
             </a:lvl9pPr>
           </a:lstStyle>
           <a:p>
-            <a:pPr marL="0" lvl="0" indent="0" algn="r" rtl="0">
-              <a:spcBef>
-                <a:spcPts val="0"/>
-              </a:spcBef>
-              <a:spcAft>
-                <a:spcPts val="0"/>
-              </a:spcAft>
-              <a:buNone/>
-            </a:pPr>
             <a:fld id="{00000000-1234-1234-1234-123412341234}" type="slidenum">
-              <a:rPr lang="en"/>
+              <a:rPr lang="en" smtClean="0"/>
+              <a:pPr/>
               <a:t>‹#›</a:t>
             </a:fld>
-            <a:endParaRPr/>
+            <a:endParaRPr lang="en"/>
           </a:p>
         </p:txBody>
       </p:sp>
@@ -3441,8 +3431,8 @@
         </p:nvSpPr>
         <p:spPr>
           <a:xfrm>
-            <a:off x="311700" y="593367"/>
-            <a:ext cx="8520600" cy="763500"/>
+            <a:off x="415600" y="593367"/>
+            <a:ext cx="11360800" cy="763500"/>
           </a:xfrm>
           <a:prstGeom prst="rect">
             <a:avLst/>
@@ -3570,8 +3560,8 @@
         </p:nvSpPr>
         <p:spPr>
           <a:xfrm>
-            <a:off x="311700" y="1536633"/>
-            <a:ext cx="3999900" cy="4555200"/>
+            <a:off x="415600" y="1536633"/>
+            <a:ext cx="5333200" cy="4555200"/>
           </a:xfrm>
           <a:prstGeom prst="rect">
             <a:avLst/>
@@ -3699,8 +3689,8 @@
         </p:nvSpPr>
         <p:spPr>
           <a:xfrm>
-            <a:off x="4832400" y="1536633"/>
-            <a:ext cx="3999900" cy="4555200"/>
+            <a:off x="6443200" y="1536633"/>
+            <a:ext cx="5333200" cy="4555200"/>
           </a:xfrm>
           <a:prstGeom prst="rect">
             <a:avLst/>
@@ -3828,8 +3818,8 @@
         </p:nvSpPr>
         <p:spPr>
           <a:xfrm>
-            <a:off x="8472458" y="6217622"/>
-            <a:ext cx="548700" cy="524700"/>
+            <a:off x="11296611" y="6217622"/>
+            <a:ext cx="731600" cy="524700"/>
           </a:xfrm>
           <a:prstGeom prst="rect">
             <a:avLst/>
@@ -3878,20 +3868,12 @@
             </a:lvl9pPr>
           </a:lstStyle>
           <a:p>
-            <a:pPr marL="0" lvl="0" indent="0" algn="r" rtl="0">
-              <a:spcBef>
-                <a:spcPts val="0"/>
-              </a:spcBef>
-              <a:spcAft>
-                <a:spcPts val="0"/>
-              </a:spcAft>
-              <a:buNone/>
-            </a:pPr>
             <a:fld id="{00000000-1234-1234-1234-123412341234}" type="slidenum">
-              <a:rPr lang="en"/>
+              <a:rPr lang="en" smtClean="0"/>
+              <a:pPr/>
               <a:t>‹#›</a:t>
             </a:fld>
-            <a:endParaRPr/>
+            <a:endParaRPr lang="en"/>
           </a:p>
         </p:txBody>
       </p:sp>
@@ -3932,8 +3914,8 @@
         </p:nvSpPr>
         <p:spPr>
           <a:xfrm>
-            <a:off x="311700" y="593367"/>
-            <a:ext cx="8520600" cy="763500"/>
+            <a:off x="415600" y="593367"/>
+            <a:ext cx="11360800" cy="763500"/>
           </a:xfrm>
           <a:prstGeom prst="rect">
             <a:avLst/>
@@ -4061,8 +4043,8 @@
         </p:nvSpPr>
         <p:spPr>
           <a:xfrm>
-            <a:off x="8472458" y="6217622"/>
-            <a:ext cx="548700" cy="524700"/>
+            <a:off x="11296611" y="6217622"/>
+            <a:ext cx="731600" cy="524700"/>
           </a:xfrm>
           <a:prstGeom prst="rect">
             <a:avLst/>
@@ -4111,20 +4093,12 @@
             </a:lvl9pPr>
           </a:lstStyle>
           <a:p>
-            <a:pPr marL="0" lvl="0" indent="0" algn="r" rtl="0">
-              <a:spcBef>
-                <a:spcPts val="0"/>
-              </a:spcBef>
-              <a:spcAft>
-                <a:spcPts val="0"/>
-              </a:spcAft>
-              <a:buNone/>
-            </a:pPr>
             <a:fld id="{00000000-1234-1234-1234-123412341234}" type="slidenum">
-              <a:rPr lang="en"/>
+              <a:rPr lang="en" smtClean="0"/>
+              <a:pPr/>
               <a:t>‹#›</a:t>
             </a:fld>
-            <a:endParaRPr/>
+            <a:endParaRPr lang="en"/>
           </a:p>
         </p:txBody>
       </p:sp>
@@ -4165,8 +4139,8 @@
         </p:nvSpPr>
         <p:spPr>
           <a:xfrm>
-            <a:off x="311700" y="740800"/>
-            <a:ext cx="2808000" cy="1007700"/>
+            <a:off x="415600" y="740800"/>
+            <a:ext cx="3744000" cy="1007700"/>
           </a:xfrm>
           <a:prstGeom prst="rect">
             <a:avLst/>
@@ -4294,8 +4268,8 @@
         </p:nvSpPr>
         <p:spPr>
           <a:xfrm>
-            <a:off x="311700" y="1852800"/>
-            <a:ext cx="2808000" cy="4239300"/>
+            <a:off x="415600" y="1852800"/>
+            <a:ext cx="3744000" cy="4239300"/>
           </a:xfrm>
           <a:prstGeom prst="rect">
             <a:avLst/>
@@ -4423,8 +4397,8 @@
         </p:nvSpPr>
         <p:spPr>
           <a:xfrm>
-            <a:off x="8472458" y="6217622"/>
-            <a:ext cx="548700" cy="524700"/>
+            <a:off x="11296611" y="6217622"/>
+            <a:ext cx="731600" cy="524700"/>
           </a:xfrm>
           <a:prstGeom prst="rect">
             <a:avLst/>
@@ -4473,20 +4447,12 @@
             </a:lvl9pPr>
           </a:lstStyle>
           <a:p>
-            <a:pPr marL="0" lvl="0" indent="0" algn="r" rtl="0">
-              <a:spcBef>
-                <a:spcPts val="0"/>
-              </a:spcBef>
-              <a:spcAft>
-                <a:spcPts val="0"/>
-              </a:spcAft>
-              <a:buNone/>
-            </a:pPr>
             <a:fld id="{00000000-1234-1234-1234-123412341234}" type="slidenum">
-              <a:rPr lang="en"/>
+              <a:rPr lang="en" smtClean="0"/>
+              <a:pPr/>
               <a:t>‹#›</a:t>
             </a:fld>
-            <a:endParaRPr/>
+            <a:endParaRPr lang="en"/>
           </a:p>
         </p:txBody>
       </p:sp>
@@ -4527,8 +4493,8 @@
         </p:nvSpPr>
         <p:spPr>
           <a:xfrm>
-            <a:off x="490250" y="600200"/>
-            <a:ext cx="6367800" cy="5454300"/>
+            <a:off x="653667" y="600200"/>
+            <a:ext cx="8490400" cy="5454300"/>
           </a:xfrm>
           <a:prstGeom prst="rect">
             <a:avLst/>
@@ -4656,8 +4622,8 @@
         </p:nvSpPr>
         <p:spPr>
           <a:xfrm>
-            <a:off x="8472458" y="6217622"/>
-            <a:ext cx="548700" cy="524700"/>
+            <a:off x="11296611" y="6217622"/>
+            <a:ext cx="731600" cy="524700"/>
           </a:xfrm>
           <a:prstGeom prst="rect">
             <a:avLst/>
@@ -4706,20 +4672,12 @@
             </a:lvl9pPr>
           </a:lstStyle>
           <a:p>
-            <a:pPr marL="0" lvl="0" indent="0" algn="r" rtl="0">
-              <a:spcBef>
-                <a:spcPts val="0"/>
-              </a:spcBef>
-              <a:spcAft>
-                <a:spcPts val="0"/>
-              </a:spcAft>
-              <a:buNone/>
-            </a:pPr>
             <a:fld id="{00000000-1234-1234-1234-123412341234}" type="slidenum">
-              <a:rPr lang="en"/>
+              <a:rPr lang="en" smtClean="0"/>
+              <a:pPr/>
               <a:t>‹#›</a:t>
             </a:fld>
-            <a:endParaRPr/>
+            <a:endParaRPr lang="en"/>
           </a:p>
         </p:txBody>
       </p:sp>
@@ -4756,8 +4714,8 @@
         </p:nvSpPr>
         <p:spPr>
           <a:xfrm>
-            <a:off x="4572000" y="-167"/>
-            <a:ext cx="4572000" cy="6858000"/>
+            <a:off x="6096000" y="-167"/>
+            <a:ext cx="6096000" cy="6858000"/>
           </a:xfrm>
           <a:prstGeom prst="rect">
             <a:avLst/>
@@ -4784,7 +4742,7 @@
               </a:spcAft>
               <a:buNone/>
             </a:pPr>
-            <a:endParaRPr/>
+            <a:endParaRPr sz="1400"/>
           </a:p>
         </p:txBody>
       </p:sp>
@@ -4800,8 +4758,8 @@
         </p:nvSpPr>
         <p:spPr>
           <a:xfrm>
-            <a:off x="265500" y="1644233"/>
-            <a:ext cx="4045200" cy="1976400"/>
+            <a:off x="354000" y="1644233"/>
+            <a:ext cx="5393600" cy="1976400"/>
           </a:xfrm>
           <a:prstGeom prst="rect">
             <a:avLst/>
@@ -4929,8 +4887,8 @@
         </p:nvSpPr>
         <p:spPr>
           <a:xfrm>
-            <a:off x="265500" y="3737433"/>
-            <a:ext cx="4045200" cy="1646700"/>
+            <a:off x="354000" y="3737433"/>
+            <a:ext cx="5393600" cy="1646700"/>
           </a:xfrm>
           <a:prstGeom prst="rect">
             <a:avLst/>
@@ -5085,8 +5043,8 @@
         </p:nvSpPr>
         <p:spPr>
           <a:xfrm>
-            <a:off x="4939500" y="965433"/>
-            <a:ext cx="3837000" cy="4926900"/>
+            <a:off x="6586000" y="965433"/>
+            <a:ext cx="5116000" cy="4926900"/>
           </a:xfrm>
           <a:prstGeom prst="rect">
             <a:avLst/>
@@ -5214,8 +5172,8 @@
         </p:nvSpPr>
         <p:spPr>
           <a:xfrm>
-            <a:off x="8472458" y="6217622"/>
-            <a:ext cx="548700" cy="524700"/>
+            <a:off x="11296611" y="6217622"/>
+            <a:ext cx="731600" cy="524700"/>
           </a:xfrm>
           <a:prstGeom prst="rect">
             <a:avLst/>
@@ -5264,20 +5222,12 @@
             </a:lvl9pPr>
           </a:lstStyle>
           <a:p>
-            <a:pPr marL="0" lvl="0" indent="0" algn="r" rtl="0">
-              <a:spcBef>
-                <a:spcPts val="0"/>
-              </a:spcBef>
-              <a:spcAft>
-                <a:spcPts val="0"/>
-              </a:spcAft>
-              <a:buNone/>
-            </a:pPr>
             <a:fld id="{00000000-1234-1234-1234-123412341234}" type="slidenum">
-              <a:rPr lang="en"/>
+              <a:rPr lang="en" smtClean="0"/>
+              <a:pPr/>
               <a:t>‹#›</a:t>
             </a:fld>
-            <a:endParaRPr/>
+            <a:endParaRPr lang="en"/>
           </a:p>
         </p:txBody>
       </p:sp>
@@ -5318,8 +5268,8 @@
         </p:nvSpPr>
         <p:spPr>
           <a:xfrm>
-            <a:off x="311700" y="5640767"/>
-            <a:ext cx="5998800" cy="806700"/>
+            <a:off x="415600" y="5640767"/>
+            <a:ext cx="7998400" cy="806700"/>
           </a:xfrm>
           <a:prstGeom prst="rect">
             <a:avLst/>
@@ -5362,8 +5312,8 @@
         </p:nvSpPr>
         <p:spPr>
           <a:xfrm>
-            <a:off x="8472458" y="6217622"/>
-            <a:ext cx="548700" cy="524700"/>
+            <a:off x="11296611" y="6217622"/>
+            <a:ext cx="731600" cy="524700"/>
           </a:xfrm>
           <a:prstGeom prst="rect">
             <a:avLst/>
@@ -5412,20 +5362,12 @@
             </a:lvl9pPr>
           </a:lstStyle>
           <a:p>
-            <a:pPr marL="0" lvl="0" indent="0" algn="r" rtl="0">
-              <a:spcBef>
-                <a:spcPts val="0"/>
-              </a:spcBef>
-              <a:spcAft>
-                <a:spcPts val="0"/>
-              </a:spcAft>
-              <a:buNone/>
-            </a:pPr>
             <a:fld id="{00000000-1234-1234-1234-123412341234}" type="slidenum">
-              <a:rPr lang="en"/>
+              <a:rPr lang="en" smtClean="0"/>
+              <a:pPr/>
               <a:t>‹#›</a:t>
             </a:fld>
-            <a:endParaRPr/>
+            <a:endParaRPr lang="en"/>
           </a:p>
         </p:txBody>
       </p:sp>
@@ -5474,8 +5416,8 @@
         </p:nvSpPr>
         <p:spPr>
           <a:xfrm>
-            <a:off x="311700" y="593367"/>
-            <a:ext cx="8520600" cy="763500"/>
+            <a:off x="415600" y="593367"/>
+            <a:ext cx="11360800" cy="763500"/>
           </a:xfrm>
           <a:prstGeom prst="rect">
             <a:avLst/>
@@ -5670,8 +5612,8 @@
         </p:nvSpPr>
         <p:spPr>
           <a:xfrm>
-            <a:off x="311700" y="1536633"/>
-            <a:ext cx="8520600" cy="4555200"/>
+            <a:off x="415600" y="1536633"/>
+            <a:ext cx="11360800" cy="4555200"/>
           </a:xfrm>
           <a:prstGeom prst="rect">
             <a:avLst/>
@@ -5893,8 +5835,8 @@
         </p:nvSpPr>
         <p:spPr>
           <a:xfrm>
-            <a:off x="8472458" y="6217622"/>
-            <a:ext cx="548700" cy="524700"/>
+            <a:off x="11296611" y="6217622"/>
+            <a:ext cx="731600" cy="524700"/>
           </a:xfrm>
           <a:prstGeom prst="rect">
             <a:avLst/>
@@ -5983,20 +5925,121 @@
             </a:lvl9pPr>
           </a:lstStyle>
           <a:p>
-            <a:pPr marL="0" lvl="0" indent="0" algn="r" rtl="0">
-              <a:spcBef>
-                <a:spcPts val="0"/>
-              </a:spcBef>
-              <a:spcAft>
-                <a:spcPts val="0"/>
-              </a:spcAft>
-              <a:buNone/>
-            </a:pPr>
             <a:fld id="{00000000-1234-1234-1234-123412341234}" type="slidenum">
-              <a:rPr lang="en"/>
+              <a:rPr lang="en" smtClean="0"/>
+              <a:pPr/>
               <a:t>‹#›</a:t>
             </a:fld>
-            <a:endParaRPr/>
+            <a:endParaRPr lang="en"/>
+          </a:p>
+        </p:txBody>
+      </p:sp>
+      <p:cxnSp>
+        <p:nvCxnSpPr>
+          <p:cNvPr id="2" name="직선 연결선 1">
+            <a:extLst>
+              <a:ext uri="{FF2B5EF4-FFF2-40B4-BE49-F238E27FC236}">
+                <a16:creationId xmlns:a16="http://schemas.microsoft.com/office/drawing/2014/main" id="{0C78221D-F82B-31A7-7353-F96536D0D2A8}"/>
+              </a:ext>
+            </a:extLst>
+          </p:cNvPr>
+          <p:cNvCxnSpPr>
+            <a:cxnSpLocks/>
+          </p:cNvCxnSpPr>
+          <p:nvPr userDrawn="1"/>
+        </p:nvCxnSpPr>
+        <p:spPr>
+          <a:xfrm>
+            <a:off x="0" y="365125"/>
+            <a:ext cx="10582183" cy="0"/>
+          </a:xfrm>
+          <a:prstGeom prst="line">
+            <a:avLst/>
+          </a:prstGeom>
+          <a:ln w="38100"/>
+        </p:spPr>
+        <p:style>
+          <a:lnRef idx="1">
+            <a:schemeClr val="accent1"/>
+          </a:lnRef>
+          <a:fillRef idx="0">
+            <a:schemeClr val="accent1"/>
+          </a:fillRef>
+          <a:effectRef idx="0">
+            <a:schemeClr val="accent1"/>
+          </a:effectRef>
+          <a:fontRef idx="minor">
+            <a:schemeClr val="tx1"/>
+          </a:fontRef>
+        </p:style>
+      </p:cxnSp>
+      <p:pic>
+        <p:nvPicPr>
+          <p:cNvPr id="3" name="그림 2">
+            <a:extLst>
+              <a:ext uri="{FF2B5EF4-FFF2-40B4-BE49-F238E27FC236}">
+                <a16:creationId xmlns:a16="http://schemas.microsoft.com/office/drawing/2014/main" id="{AC6A53A4-3DB2-E7F9-8212-3D10C180B276}"/>
+              </a:ext>
+            </a:extLst>
+          </p:cNvPr>
+          <p:cNvPicPr>
+            <a:picLocks noChangeAspect="1"/>
+          </p:cNvPicPr>
+          <p:nvPr userDrawn="1"/>
+        </p:nvPicPr>
+        <p:blipFill>
+          <a:blip r:embed="rId13"/>
+          <a:stretch>
+            <a:fillRect/>
+          </a:stretch>
+        </p:blipFill>
+        <p:spPr>
+          <a:xfrm>
+            <a:off x="10758910" y="129799"/>
+            <a:ext cx="1189780" cy="470650"/>
+          </a:xfrm>
+          <a:prstGeom prst="rect">
+            <a:avLst/>
+          </a:prstGeom>
+        </p:spPr>
+      </p:pic>
+      <p:sp>
+        <p:nvSpPr>
+          <p:cNvPr id="4" name="TextBox 3">
+            <a:extLst>
+              <a:ext uri="{FF2B5EF4-FFF2-40B4-BE49-F238E27FC236}">
+                <a16:creationId xmlns:a16="http://schemas.microsoft.com/office/drawing/2014/main" id="{DC8FCB3B-2949-A554-0477-E441A465C54F}"/>
+              </a:ext>
+            </a:extLst>
+          </p:cNvPr>
+          <p:cNvSpPr txBox="1"/>
+          <p:nvPr userDrawn="1"/>
+        </p:nvSpPr>
+        <p:spPr>
+          <a:xfrm>
+            <a:off x="5112397" y="6409678"/>
+            <a:ext cx="1967205" cy="307777"/>
+          </a:xfrm>
+          <a:prstGeom prst="rect">
+            <a:avLst/>
+          </a:prstGeom>
+          <a:noFill/>
+        </p:spPr>
+        <p:txBody>
+          <a:bodyPr wrap="none" rtlCol="0">
+            <a:spAutoFit/>
+          </a:bodyPr>
+          <a:lstStyle/>
+          <a:p>
+            <a:r>
+              <a:rPr lang="en-US" altLang="ko-KR" sz="1400" b="0" dirty="0"/>
+              <a:t>Copyright 2022 </a:t>
+            </a:r>
+            <a:r>
+              <a:rPr lang="en-US" altLang="ko-KR" sz="1400" b="0" dirty="0" err="1"/>
+              <a:t>jdedu</a:t>
+            </a:r>
+            <a:endParaRPr lang="ko-KR" altLang="en-US" sz="1400" b="0" dirty="0"/>
           </a:p>
         </p:txBody>
       </p:sp>
@@ -6738,7 +6781,7 @@
         </p:nvSpPr>
         <p:spPr>
           <a:xfrm>
-            <a:off x="311708" y="992767"/>
+            <a:off x="1835708" y="992767"/>
             <a:ext cx="8520600" cy="2736900"/>
           </a:xfrm>
           <a:prstGeom prst="rect">
@@ -6751,19 +6794,8 @@
           </a:bodyPr>
           <a:lstStyle/>
           <a:p>
-            <a:pPr marL="457200" lvl="0" indent="0" algn="ctr" rtl="0">
-              <a:spcBef>
-                <a:spcPts val="0"/>
-              </a:spcBef>
-              <a:spcAft>
-                <a:spcPts val="0"/>
-              </a:spcAft>
-              <a:buClr>
-                <a:schemeClr val="dk1"/>
-              </a:buClr>
+            <a:pPr marL="457200">
               <a:buSzPts val="1100"/>
-              <a:buFont typeface="Arial"/>
-              <a:buNone/>
             </a:pPr>
             <a:r>
               <a:rPr lang="en" sz="4700" b="1">
@@ -6780,87 +6812,12 @@
             </a:endParaRPr>
           </a:p>
           <a:p>
-            <a:pPr marL="457200" lvl="0" indent="0" algn="ctr" rtl="0">
-              <a:spcBef>
-                <a:spcPts val="0"/>
-              </a:spcBef>
-              <a:spcAft>
-                <a:spcPts val="0"/>
-              </a:spcAft>
-              <a:buNone/>
-            </a:pPr>
+            <a:pPr marL="457200"/>
             <a:r>
               <a:rPr lang="en" b="1"/>
               <a:t>제어문 if </a:t>
             </a:r>
             <a:endParaRPr b="1"/>
-          </a:p>
-        </p:txBody>
-      </p:sp>
-      <p:sp>
-        <p:nvSpPr>
-          <p:cNvPr id="55" name="Google Shape;55;p13"/>
-          <p:cNvSpPr txBox="1">
-            <a:spLocks noGrp="1"/>
-          </p:cNvSpPr>
-          <p:nvPr>
-            <p:ph type="subTitle" idx="1"/>
-          </p:nvPr>
-        </p:nvSpPr>
-        <p:spPr>
-          <a:xfrm>
-            <a:off x="311700" y="4007433"/>
-            <a:ext cx="8520600" cy="1056900"/>
-          </a:xfrm>
-          <a:prstGeom prst="rect">
-            <a:avLst/>
-          </a:prstGeom>
-        </p:spPr>
-        <p:txBody>
-          <a:bodyPr spcFirstLastPara="1" wrap="square" lIns="91425" tIns="91425" rIns="91425" bIns="91425" anchor="t" anchorCtr="0">
-            <a:normAutofit/>
-          </a:bodyPr>
-          <a:lstStyle/>
-          <a:p>
-            <a:pPr marL="0" lvl="0" indent="0" algn="ctr" rtl="0">
-              <a:spcBef>
-                <a:spcPts val="0"/>
-              </a:spcBef>
-              <a:spcAft>
-                <a:spcPts val="0"/>
-              </a:spcAft>
-              <a:buClr>
-                <a:schemeClr val="dk1"/>
-              </a:buClr>
-              <a:buSzPts val="1100"/>
-              <a:buFont typeface="Arial"/>
-              <a:buNone/>
-            </a:pPr>
-            <a:r>
-              <a:rPr lang="en" b="1">
-                <a:solidFill>
-                  <a:srgbClr val="0000FF"/>
-                </a:solidFill>
-              </a:rPr>
-              <a:t>JD Edu</a:t>
-            </a:r>
-            <a:endParaRPr b="1">
-              <a:solidFill>
-                <a:srgbClr val="0000FF"/>
-              </a:solidFill>
-            </a:endParaRPr>
-          </a:p>
-          <a:p>
-            <a:pPr marL="0" lvl="0" indent="0" algn="ctr" rtl="0">
-              <a:spcBef>
-                <a:spcPts val="0"/>
-              </a:spcBef>
-              <a:spcAft>
-                <a:spcPts val="0"/>
-              </a:spcAft>
-              <a:buNone/>
-            </a:pPr>
-            <a:endParaRPr/>
           </a:p>
         </p:txBody>
       </p:sp>
@@ -6901,7 +6858,7 @@
         </p:nvSpPr>
         <p:spPr>
           <a:xfrm>
-            <a:off x="311700" y="593367"/>
+            <a:off x="1835700" y="593367"/>
             <a:ext cx="8520600" cy="763500"/>
           </a:xfrm>
           <a:prstGeom prst="rect">
@@ -6914,15 +6871,6 @@
           </a:bodyPr>
           <a:lstStyle/>
           <a:p>
-            <a:pPr marL="0" lvl="0" indent="0" algn="l" rtl="0">
-              <a:spcBef>
-                <a:spcPts val="0"/>
-              </a:spcBef>
-              <a:spcAft>
-                <a:spcPts val="0"/>
-              </a:spcAft>
-              <a:buNone/>
-            </a:pPr>
             <a:r>
               <a:rPr lang="en" b="1"/>
               <a:t>퀴즈5-2: 터틀 if </a:t>
@@ -6943,7 +6891,7 @@
         </p:nvSpPr>
         <p:spPr>
           <a:xfrm>
-            <a:off x="311700" y="1536633"/>
+            <a:off x="1835700" y="1536633"/>
             <a:ext cx="8520600" cy="4555200"/>
           </a:xfrm>
           <a:prstGeom prst="rect">
@@ -6956,16 +6904,6 @@
           </a:bodyPr>
           <a:lstStyle/>
           <a:p>
-            <a:pPr marL="457200" lvl="0" indent="-342900" algn="l" rtl="0">
-              <a:spcBef>
-                <a:spcPts val="0"/>
-              </a:spcBef>
-              <a:spcAft>
-                <a:spcPts val="0"/>
-              </a:spcAft>
-              <a:buSzPts val="1800"/>
-              <a:buChar char="●"/>
-            </a:pPr>
             <a:r>
               <a:rPr lang="en"/>
               <a:t>숫자를 하나 입력 받는다.</a:t>
@@ -6973,16 +6911,6 @@
             <a:endParaRPr/>
           </a:p>
           <a:p>
-            <a:pPr marL="457200" lvl="0" indent="-342900" algn="l" rtl="0">
-              <a:spcBef>
-                <a:spcPts val="0"/>
-              </a:spcBef>
-              <a:spcAft>
-                <a:spcPts val="0"/>
-              </a:spcAft>
-              <a:buSzPts val="1800"/>
-              <a:buChar char="●"/>
-            </a:pPr>
             <a:r>
               <a:rPr lang="en"/>
               <a:t>이 숫자가 홀수 이면 거북이가 왼쪽으로 돌아서 사각형을 그리도록 코딩 해 보세요. .</a:t>
@@ -6990,16 +6918,6 @@
             <a:endParaRPr/>
           </a:p>
           <a:p>
-            <a:pPr marL="457200" lvl="0" indent="-342900" algn="l" rtl="0">
-              <a:spcBef>
-                <a:spcPts val="0"/>
-              </a:spcBef>
-              <a:spcAft>
-                <a:spcPts val="0"/>
-              </a:spcAft>
-              <a:buSzPts val="1800"/>
-              <a:buChar char="●"/>
-            </a:pPr>
             <a:r>
               <a:rPr lang="en"/>
               <a:t>이 숫자가 짝수이면 거북이가 오른쪽으로 돌아서 사각형을 그리도록 코딩 해 보세요. </a:t>
@@ -7045,7 +6963,7 @@
         </p:nvSpPr>
         <p:spPr>
           <a:xfrm>
-            <a:off x="311700" y="593367"/>
+            <a:off x="1835700" y="593367"/>
             <a:ext cx="8520600" cy="763500"/>
           </a:xfrm>
           <a:prstGeom prst="rect">
@@ -7058,15 +6976,6 @@
           </a:bodyPr>
           <a:lstStyle/>
           <a:p>
-            <a:pPr marL="0" lvl="0" indent="0" algn="l" rtl="0">
-              <a:spcBef>
-                <a:spcPts val="0"/>
-              </a:spcBef>
-              <a:spcAft>
-                <a:spcPts val="0"/>
-              </a:spcAft>
-              <a:buNone/>
-            </a:pPr>
             <a:r>
               <a:rPr lang="en" b="1"/>
               <a:t>파이썬 if - elif - else 문 </a:t>
@@ -7087,7 +6996,7 @@
         </p:nvSpPr>
         <p:spPr>
           <a:xfrm>
-            <a:off x="311700" y="1536625"/>
+            <a:off x="1835700" y="1536625"/>
             <a:ext cx="8520600" cy="5321400"/>
           </a:xfrm>
           <a:prstGeom prst="rect">
@@ -7100,13 +7009,7 @@
           </a:bodyPr>
           <a:lstStyle/>
           <a:p>
-            <a:pPr marL="0" lvl="0" indent="0" algn="l" rtl="0">
-              <a:spcBef>
-                <a:spcPts val="0"/>
-              </a:spcBef>
-              <a:spcAft>
-                <a:spcPts val="0"/>
-              </a:spcAft>
+            <a:pPr marL="0" indent="0">
               <a:buNone/>
             </a:pPr>
             <a:r>
@@ -7116,13 +7019,10 @@
             <a:endParaRPr sz="2400" b="1" dirty="0"/>
           </a:p>
           <a:p>
-            <a:pPr marL="0" lvl="0" indent="0" algn="l" rtl="0">
+            <a:pPr marL="0" indent="0">
               <a:spcBef>
                 <a:spcPts val="1200"/>
               </a:spcBef>
-              <a:spcAft>
-                <a:spcPts val="0"/>
-              </a:spcAft>
               <a:buNone/>
             </a:pPr>
             <a:r>
@@ -7132,13 +7032,10 @@
             <a:endParaRPr sz="2400" b="1" dirty="0"/>
           </a:p>
           <a:p>
-            <a:pPr marL="0" lvl="0" indent="457200" algn="l" rtl="0">
+            <a:pPr marL="0" indent="457200">
               <a:spcBef>
                 <a:spcPts val="1200"/>
               </a:spcBef>
-              <a:spcAft>
-                <a:spcPts val="0"/>
-              </a:spcAft>
               <a:buNone/>
             </a:pPr>
             <a:r>
@@ -7148,13 +7045,10 @@
             <a:endParaRPr sz="2400" b="1" dirty="0"/>
           </a:p>
           <a:p>
-            <a:pPr marL="0" lvl="0" indent="0" algn="l" rtl="0">
+            <a:pPr marL="0" indent="0">
               <a:spcBef>
                 <a:spcPts val="1200"/>
               </a:spcBef>
-              <a:spcAft>
-                <a:spcPts val="0"/>
-              </a:spcAft>
               <a:buNone/>
             </a:pPr>
             <a:r>
@@ -7164,13 +7058,10 @@
             <a:endParaRPr sz="2400" b="1" dirty="0"/>
           </a:p>
           <a:p>
-            <a:pPr marL="0" lvl="0" indent="457200" algn="l" rtl="0">
+            <a:pPr marL="0" indent="457200">
               <a:spcBef>
                 <a:spcPts val="1200"/>
               </a:spcBef>
-              <a:spcAft>
-                <a:spcPts val="0"/>
-              </a:spcAft>
               <a:buNone/>
             </a:pPr>
             <a:r>
@@ -7180,13 +7071,10 @@
             <a:endParaRPr sz="2400" b="1" dirty="0"/>
           </a:p>
           <a:p>
-            <a:pPr marL="0" lvl="0" indent="457200" algn="l" rtl="0">
+            <a:pPr marL="0" indent="457200">
               <a:spcBef>
                 <a:spcPts val="1200"/>
               </a:spcBef>
-              <a:spcAft>
-                <a:spcPts val="0"/>
-              </a:spcAft>
               <a:buNone/>
             </a:pPr>
             <a:r>
@@ -7196,13 +7084,10 @@
             <a:endParaRPr sz="2400" b="1" dirty="0"/>
           </a:p>
           <a:p>
-            <a:pPr marL="0" lvl="0" indent="0" algn="l" rtl="0">
+            <a:pPr marL="0" indent="0">
               <a:spcBef>
                 <a:spcPts val="1200"/>
               </a:spcBef>
-              <a:spcAft>
-                <a:spcPts val="0"/>
-              </a:spcAft>
               <a:buNone/>
             </a:pPr>
             <a:r>
@@ -7212,13 +7097,10 @@
             <a:endParaRPr sz="2400" b="1" dirty="0"/>
           </a:p>
           <a:p>
-            <a:pPr marL="0" lvl="0" indent="0" algn="l" rtl="0">
+            <a:pPr marL="0" indent="0">
               <a:spcBef>
                 <a:spcPts val="1200"/>
               </a:spcBef>
-              <a:spcAft>
-                <a:spcPts val="0"/>
-              </a:spcAft>
               <a:buNone/>
             </a:pPr>
             <a:r>
@@ -7228,7 +7110,7 @@
             <a:endParaRPr sz="2400" b="1" dirty="0"/>
           </a:p>
           <a:p>
-            <a:pPr marL="0" lvl="0" indent="0" algn="l" rtl="0">
+            <a:pPr marL="0" indent="0">
               <a:spcBef>
                 <a:spcPts val="1200"/>
               </a:spcBef>
@@ -7253,7 +7135,7 @@
         </p:nvSpPr>
         <p:spPr>
           <a:xfrm>
-            <a:off x="3710675" y="1579800"/>
+            <a:off x="5234675" y="1579800"/>
             <a:ext cx="5121600" cy="1754700"/>
           </a:xfrm>
           <a:prstGeom prst="rect">
@@ -7270,13 +7152,7 @@
           </a:bodyPr>
           <a:lstStyle/>
           <a:p>
-            <a:pPr marL="457200" lvl="0" indent="-336550" algn="l" rtl="0">
-              <a:spcBef>
-                <a:spcPts val="0"/>
-              </a:spcBef>
-              <a:spcAft>
-                <a:spcPts val="0"/>
-              </a:spcAft>
+            <a:pPr marL="457200" indent="-336550">
               <a:buSzPts val="1700"/>
               <a:buAutoNum type="arabicPeriod"/>
             </a:pPr>
@@ -7287,13 +7163,7 @@
             <a:endParaRPr sz="1700"/>
           </a:p>
           <a:p>
-            <a:pPr marL="457200" lvl="0" indent="-336550" algn="l" rtl="0">
-              <a:spcBef>
-                <a:spcPts val="0"/>
-              </a:spcBef>
-              <a:spcAft>
-                <a:spcPts val="0"/>
-              </a:spcAft>
+            <a:pPr marL="457200" indent="-336550">
               <a:buSzPts val="1700"/>
               <a:buAutoNum type="arabicPeriod"/>
             </a:pPr>
@@ -7304,13 +7174,7 @@
             <a:endParaRPr sz="1700"/>
           </a:p>
           <a:p>
-            <a:pPr marL="457200" lvl="0" indent="-336550" algn="l" rtl="0">
-              <a:spcBef>
-                <a:spcPts val="0"/>
-              </a:spcBef>
-              <a:spcAft>
-                <a:spcPts val="0"/>
-              </a:spcAft>
+            <a:pPr marL="457200" indent="-336550">
               <a:buSzPts val="1700"/>
               <a:buAutoNum type="arabicPeriod"/>
             </a:pPr>
@@ -7321,13 +7185,7 @@
             <a:endParaRPr sz="1700"/>
           </a:p>
           <a:p>
-            <a:pPr marL="457200" lvl="0" indent="-336550" algn="l" rtl="0">
-              <a:spcBef>
-                <a:spcPts val="0"/>
-              </a:spcBef>
-              <a:spcAft>
-                <a:spcPts val="0"/>
-              </a:spcAft>
+            <a:pPr marL="457200" indent="-336550">
               <a:buSzPts val="1700"/>
               <a:buAutoNum type="arabicPeriod"/>
             </a:pPr>
@@ -7338,13 +7196,7 @@
             <a:endParaRPr sz="1700"/>
           </a:p>
           <a:p>
-            <a:pPr marL="457200" lvl="0" indent="-336550" algn="l" rtl="0">
-              <a:spcBef>
-                <a:spcPts val="0"/>
-              </a:spcBef>
-              <a:spcAft>
-                <a:spcPts val="0"/>
-              </a:spcAft>
+            <a:pPr marL="457200" indent="-336550">
               <a:buSzPts val="1700"/>
               <a:buAutoNum type="arabicPeriod"/>
             </a:pPr>
@@ -7364,7 +7216,7 @@
         </p:nvSpPr>
         <p:spPr>
           <a:xfrm>
-            <a:off x="2951400" y="2301738"/>
+            <a:off x="4475400" y="2301738"/>
             <a:ext cx="269400" cy="1028700"/>
           </a:xfrm>
           <a:prstGeom prst="rightBracket">
@@ -7389,15 +7241,6 @@
           </a:bodyPr>
           <a:lstStyle/>
           <a:p>
-            <a:pPr marL="0" lvl="0" indent="0" algn="l" rtl="0">
-              <a:spcBef>
-                <a:spcPts val="0"/>
-              </a:spcBef>
-              <a:spcAft>
-                <a:spcPts val="0"/>
-              </a:spcAft>
-              <a:buNone/>
-            </a:pPr>
             <a:endParaRPr/>
           </a:p>
         </p:txBody>
@@ -7410,7 +7253,7 @@
         </p:nvSpPr>
         <p:spPr>
           <a:xfrm>
-            <a:off x="2755475" y="1654000"/>
+            <a:off x="4279475" y="1654000"/>
             <a:ext cx="1347000" cy="400200"/>
           </a:xfrm>
           <a:prstGeom prst="rect">
@@ -7427,15 +7270,6 @@
           </a:bodyPr>
           <a:lstStyle/>
           <a:p>
-            <a:pPr marL="0" lvl="0" indent="0" algn="l" rtl="0">
-              <a:spcBef>
-                <a:spcPts val="0"/>
-              </a:spcBef>
-              <a:spcAft>
-                <a:spcPts val="0"/>
-              </a:spcAft>
-              <a:buNone/>
-            </a:pPr>
             <a:r>
               <a:rPr lang="en"/>
               <a:t>아래1 코드</a:t>
@@ -7452,7 +7286,7 @@
         </p:nvSpPr>
         <p:spPr>
           <a:xfrm>
-            <a:off x="2801075" y="3428988"/>
+            <a:off x="4325075" y="3428988"/>
             <a:ext cx="1255800" cy="400200"/>
           </a:xfrm>
           <a:prstGeom prst="rect">
@@ -7469,15 +7303,6 @@
           </a:bodyPr>
           <a:lstStyle/>
           <a:p>
-            <a:pPr marL="0" lvl="0" indent="0" algn="l" rtl="0">
-              <a:spcBef>
-                <a:spcPts val="0"/>
-              </a:spcBef>
-              <a:spcAft>
-                <a:spcPts val="0"/>
-              </a:spcAft>
-              <a:buNone/>
-            </a:pPr>
             <a:r>
               <a:rPr lang="en"/>
               <a:t>아래2 코드</a:t>
@@ -7494,7 +7319,7 @@
         </p:nvSpPr>
         <p:spPr>
           <a:xfrm>
-            <a:off x="2951400" y="3927738"/>
+            <a:off x="4475400" y="3927738"/>
             <a:ext cx="269400" cy="1028700"/>
           </a:xfrm>
           <a:prstGeom prst="rightBracket">
@@ -7519,15 +7344,6 @@
           </a:bodyPr>
           <a:lstStyle/>
           <a:p>
-            <a:pPr marL="0" lvl="0" indent="0" algn="l" rtl="0">
-              <a:spcBef>
-                <a:spcPts val="0"/>
-              </a:spcBef>
-              <a:spcAft>
-                <a:spcPts val="0"/>
-              </a:spcAft>
-              <a:buNone/>
-            </a:pPr>
             <a:endParaRPr/>
           </a:p>
         </p:txBody>
@@ -7540,7 +7356,7 @@
         </p:nvSpPr>
         <p:spPr>
           <a:xfrm>
-            <a:off x="2801075" y="5105388"/>
+            <a:off x="4325075" y="5105388"/>
             <a:ext cx="1255800" cy="400200"/>
           </a:xfrm>
           <a:prstGeom prst="rect">
@@ -7557,15 +7373,6 @@
           </a:bodyPr>
           <a:lstStyle/>
           <a:p>
-            <a:pPr marL="0" lvl="0" indent="0" algn="l" rtl="0">
-              <a:spcBef>
-                <a:spcPts val="0"/>
-              </a:spcBef>
-              <a:spcAft>
-                <a:spcPts val="0"/>
-              </a:spcAft>
-              <a:buNone/>
-            </a:pPr>
             <a:r>
               <a:rPr lang="en"/>
               <a:t>아래3 코드</a:t>
@@ -7582,7 +7389,7 @@
         </p:nvSpPr>
         <p:spPr>
           <a:xfrm>
-            <a:off x="2951400" y="5604138"/>
+            <a:off x="4475400" y="5604138"/>
             <a:ext cx="269400" cy="1028700"/>
           </a:xfrm>
           <a:prstGeom prst="rightBracket">
@@ -7607,15 +7414,6 @@
           </a:bodyPr>
           <a:lstStyle/>
           <a:p>
-            <a:pPr marL="0" lvl="0" indent="0" algn="l" rtl="0">
-              <a:spcBef>
-                <a:spcPts val="0"/>
-              </a:spcBef>
-              <a:spcAft>
-                <a:spcPts val="0"/>
-              </a:spcAft>
-              <a:buNone/>
-            </a:pPr>
             <a:endParaRPr/>
           </a:p>
         </p:txBody>
@@ -7657,7 +7455,7 @@
         </p:nvSpPr>
         <p:spPr>
           <a:xfrm>
-            <a:off x="311700" y="593367"/>
+            <a:off x="1835700" y="593367"/>
             <a:ext cx="8520600" cy="763500"/>
           </a:xfrm>
           <a:prstGeom prst="rect">
@@ -7670,15 +7468,6 @@
           </a:bodyPr>
           <a:lstStyle/>
           <a:p>
-            <a:pPr marL="0" lvl="0" indent="0" algn="l" rtl="0">
-              <a:spcBef>
-                <a:spcPts val="0"/>
-              </a:spcBef>
-              <a:spcAft>
-                <a:spcPts val="0"/>
-              </a:spcAft>
-              <a:buNone/>
-            </a:pPr>
             <a:r>
               <a:rPr lang="en" b="1"/>
               <a:t>if문 안에 또 다른 if 문 넣기 </a:t>
@@ -7699,7 +7488,7 @@
         </p:nvSpPr>
         <p:spPr>
           <a:xfrm>
-            <a:off x="311700" y="1536625"/>
+            <a:off x="1835700" y="1536625"/>
             <a:ext cx="8520600" cy="5321400"/>
           </a:xfrm>
           <a:prstGeom prst="rect">
@@ -7708,152 +7497,150 @@
         </p:spPr>
         <p:txBody>
           <a:bodyPr spcFirstLastPara="1" wrap="square" lIns="91425" tIns="91425" rIns="91425" bIns="91425" anchor="t" anchorCtr="0">
-            <a:normAutofit lnSpcReduction="10000"/>
+            <a:normAutofit/>
           </a:bodyPr>
           <a:lstStyle/>
           <a:p>
-            <a:pPr marL="0" lvl="0" indent="0" algn="l" rtl="0">
-              <a:spcBef>
-                <a:spcPts val="0"/>
-              </a:spcBef>
-              <a:spcAft>
-                <a:spcPts val="0"/>
-              </a:spcAft>
+            <a:pPr marL="0" indent="0">
               <a:buNone/>
             </a:pPr>
             <a:r>
-              <a:rPr lang="en" sz="2400" b="1"/>
+              <a:rPr lang="en" sz="2400" b="1" dirty="0"/>
               <a:t>if   조건 1:</a:t>
             </a:r>
-            <a:endParaRPr sz="2400" b="1"/>
-          </a:p>
-          <a:p>
-            <a:pPr marL="0" lvl="0" indent="0" algn="l" rtl="0">
+            <a:endParaRPr sz="2400" b="1" dirty="0"/>
+          </a:p>
+          <a:p>
+            <a:pPr marL="0" indent="0">
               <a:spcBef>
                 <a:spcPts val="1200"/>
               </a:spcBef>
-              <a:spcAft>
-                <a:spcPts val="0"/>
-              </a:spcAft>
               <a:buNone/>
             </a:pPr>
             <a:r>
-              <a:rPr lang="en" sz="2400" b="1"/>
-              <a:t>    	실행할 코드 1</a:t>
-            </a:r>
-            <a:endParaRPr sz="2400" b="1"/>
-          </a:p>
-          <a:p>
-            <a:pPr marL="0" lvl="0" indent="457200" algn="l" rtl="0">
+              <a:rPr lang="ko-KR" altLang="en-US" sz="2400" b="1" dirty="0"/>
+              <a:t>    실행할 코드 </a:t>
+            </a:r>
+            <a:endParaRPr lang="en-US" altLang="ko-KR" sz="2400" b="1" dirty="0"/>
+          </a:p>
+          <a:p>
+            <a:pPr marL="0" indent="0">
               <a:spcBef>
                 <a:spcPts val="1200"/>
               </a:spcBef>
-              <a:spcAft>
-                <a:spcPts val="0"/>
-              </a:spcAft>
               <a:buNone/>
             </a:pPr>
             <a:r>
-              <a:rPr lang="en" sz="2400" b="1"/>
-              <a:t>실행할 코드 n</a:t>
-            </a:r>
-            <a:endParaRPr sz="2400" b="1"/>
-          </a:p>
-          <a:p>
-            <a:pPr marL="0" lvl="0" indent="0" algn="l" rtl="0">
+              <a:rPr lang="ko-KR" altLang="en-US" sz="2400" b="1" dirty="0"/>
+              <a:t>    실행할 코드 </a:t>
+            </a:r>
+            <a:r>
+              <a:rPr lang="en-US" altLang="ko-KR" sz="2400" b="1" dirty="0"/>
+              <a:t>n</a:t>
+            </a:r>
+            <a:endParaRPr lang="ko-KR" altLang="en-US" sz="2400" b="1" dirty="0"/>
+          </a:p>
+          <a:p>
+            <a:pPr marL="0" indent="0">
               <a:spcBef>
                 <a:spcPts val="1200"/>
               </a:spcBef>
-              <a:spcAft>
-                <a:spcPts val="0"/>
-              </a:spcAft>
               <a:buNone/>
             </a:pPr>
             <a:r>
-              <a:rPr lang="en" sz="2400" b="1"/>
-              <a:t>	If 조건 2:</a:t>
-            </a:r>
-            <a:endParaRPr sz="2400" b="1"/>
-          </a:p>
-          <a:p>
-            <a:pPr marL="457200" lvl="0" indent="457200" algn="l" rtl="0">
+              <a:rPr lang="en-US" altLang="ko-KR" sz="2400" b="1" dirty="0"/>
+              <a:t>    If  </a:t>
+            </a:r>
+            <a:r>
+              <a:rPr lang="ko-KR" altLang="en-US" sz="2400" b="1" dirty="0"/>
+              <a:t>조건 </a:t>
+            </a:r>
+            <a:r>
+              <a:rPr lang="en-US" altLang="ko-KR" sz="2400" b="1" dirty="0"/>
+              <a:t>2:</a:t>
+            </a:r>
+          </a:p>
+          <a:p>
+            <a:pPr marL="0" indent="0">
               <a:spcBef>
                 <a:spcPts val="1200"/>
               </a:spcBef>
-              <a:spcAft>
-                <a:spcPts val="0"/>
-              </a:spcAft>
               <a:buNone/>
             </a:pPr>
             <a:r>
-              <a:rPr lang="en" sz="2400" b="1"/>
-              <a:t>실행할 코드 1</a:t>
-            </a:r>
-            <a:endParaRPr sz="2400" b="1"/>
-          </a:p>
-          <a:p>
-            <a:pPr marL="457200" lvl="0" indent="457200" algn="l" rtl="0">
+              <a:rPr lang="ko-KR" altLang="en-US" sz="2400" b="1" dirty="0"/>
+              <a:t>        실행할 코드 </a:t>
+            </a:r>
+            <a:r>
+              <a:rPr lang="en-US" altLang="ko-KR" sz="2400" b="1" dirty="0"/>
+              <a:t>1</a:t>
+            </a:r>
+          </a:p>
+          <a:p>
+            <a:pPr marL="0" indent="0">
               <a:spcBef>
                 <a:spcPts val="1200"/>
               </a:spcBef>
-              <a:spcAft>
-                <a:spcPts val="0"/>
-              </a:spcAft>
               <a:buNone/>
             </a:pPr>
             <a:r>
-              <a:rPr lang="en" sz="2400" b="1"/>
-              <a:t>실행할 코드 n</a:t>
-            </a:r>
-            <a:endParaRPr sz="2400" b="1"/>
-          </a:p>
-          <a:p>
-            <a:pPr marL="0" lvl="0" indent="457200" algn="l" rtl="0">
+              <a:rPr lang="ko-KR" altLang="en-US" sz="2400" b="1" dirty="0"/>
+              <a:t>        실행할 코드 </a:t>
+            </a:r>
+            <a:r>
+              <a:rPr lang="en-US" altLang="ko-KR" sz="2400" b="1" dirty="0"/>
+              <a:t>n</a:t>
+            </a:r>
+          </a:p>
+          <a:p>
+            <a:pPr marL="0" indent="0">
               <a:spcBef>
                 <a:spcPts val="1200"/>
               </a:spcBef>
-              <a:spcAft>
-                <a:spcPts val="0"/>
-              </a:spcAft>
               <a:buNone/>
             </a:pPr>
             <a:r>
-              <a:rPr lang="en" sz="2400" b="1"/>
-              <a:t>else:</a:t>
-            </a:r>
-            <a:endParaRPr sz="2400" b="1"/>
-          </a:p>
-          <a:p>
-            <a:pPr marL="0" lvl="0" indent="0" algn="l" rtl="0">
+              <a:rPr lang="en-US" altLang="ko-KR" sz="2400" b="1" dirty="0"/>
+              <a:t>    else:</a:t>
+            </a:r>
+            <a:endParaRPr lang="ko-KR" altLang="en-US" sz="2400" b="1" dirty="0"/>
+          </a:p>
+          <a:p>
+            <a:pPr marL="0" indent="0">
               <a:spcBef>
                 <a:spcPts val="1200"/>
               </a:spcBef>
-              <a:spcAft>
-                <a:spcPts val="0"/>
-              </a:spcAft>
               <a:buNone/>
             </a:pPr>
             <a:r>
-              <a:rPr lang="en" sz="2400" b="1"/>
-              <a:t>		실행할 코드 1</a:t>
-            </a:r>
-            <a:endParaRPr sz="2400" b="1"/>
-          </a:p>
-          <a:p>
-            <a:pPr marL="0" lvl="0" indent="0" algn="l" rtl="0">
+              <a:rPr lang="ko-KR" altLang="en-US" sz="2400" b="1" dirty="0"/>
+              <a:t>        실행할 코드 </a:t>
+            </a:r>
+            <a:r>
+              <a:rPr lang="en-US" altLang="ko-KR" sz="2400" b="1" dirty="0"/>
+              <a:t>1</a:t>
+            </a:r>
+          </a:p>
+          <a:p>
+            <a:pPr marL="0" indent="0">
               <a:spcBef>
                 <a:spcPts val="1200"/>
               </a:spcBef>
-              <a:spcAft>
-                <a:spcPts val="1200"/>
-              </a:spcAft>
               <a:buNone/>
             </a:pPr>
             <a:r>
-              <a:rPr lang="en" sz="2400" b="1"/>
-              <a:t>		실행할 코드 n</a:t>
-            </a:r>
-            <a:endParaRPr sz="2400" b="1"/>
+              <a:rPr lang="en-US" altLang="ko-KR" sz="2400" b="1" dirty="0"/>
+              <a:t>        </a:t>
+            </a:r>
+            <a:r>
+              <a:rPr lang="ko-KR" altLang="en-US" sz="2400" b="1" dirty="0"/>
+              <a:t>실행할 코드 </a:t>
+            </a:r>
+            <a:r>
+              <a:rPr lang="en-US" altLang="ko-KR" sz="2400" b="1" dirty="0"/>
+              <a:t>n</a:t>
+            </a:r>
+            <a:endParaRPr lang="ko-KR" altLang="en-US" sz="2400" b="1" dirty="0"/>
           </a:p>
         </p:txBody>
       </p:sp>
@@ -7865,8 +7652,8 @@
         </p:nvSpPr>
         <p:spPr>
           <a:xfrm>
-            <a:off x="3710675" y="1579800"/>
-            <a:ext cx="5121600" cy="2539800"/>
+            <a:off x="6096000" y="1606384"/>
+            <a:ext cx="5121600" cy="2277516"/>
           </a:xfrm>
           <a:prstGeom prst="rect">
             <a:avLst/>
@@ -7882,55 +7669,37 @@
           </a:bodyPr>
           <a:lstStyle/>
           <a:p>
-            <a:pPr marL="457200" lvl="0" indent="-336550" algn="l" rtl="0">
-              <a:spcBef>
-                <a:spcPts val="0"/>
-              </a:spcBef>
-              <a:spcAft>
-                <a:spcPts val="0"/>
-              </a:spcAft>
+            <a:pPr marL="457200" indent="-336550">
               <a:buSzPts val="1700"/>
               <a:buAutoNum type="arabicPeriod"/>
             </a:pPr>
             <a:r>
-              <a:rPr lang="en" sz="1700"/>
+              <a:rPr lang="en" sz="1700" dirty="0"/>
               <a:t>If문은 if문 안에 또다른 if문을 넣을  수 있습니다. </a:t>
             </a:r>
-            <a:endParaRPr sz="1700"/>
-          </a:p>
-          <a:p>
-            <a:pPr marL="457200" lvl="0" indent="-336550" algn="l" rtl="0">
-              <a:spcBef>
-                <a:spcPts val="0"/>
-              </a:spcBef>
-              <a:spcAft>
-                <a:spcPts val="0"/>
-              </a:spcAft>
+            <a:endParaRPr sz="1700" dirty="0"/>
+          </a:p>
+          <a:p>
+            <a:pPr marL="457200" indent="-336550">
               <a:buSzPts val="1700"/>
               <a:buAutoNum type="arabicPeriod"/>
             </a:pPr>
             <a:r>
-              <a:rPr lang="en" sz="1700"/>
+              <a:rPr lang="en" sz="1700" dirty="0"/>
               <a:t>‘조건 1’이 참이면 아래1 코드이 실행됩니다. ‘조건 1’ 이 참이 아니면 아래 2코드가  실행됩니다. </a:t>
             </a:r>
-            <a:endParaRPr sz="1700"/>
-          </a:p>
-          <a:p>
-            <a:pPr marL="457200" lvl="0" indent="-336550" algn="l" rtl="0">
-              <a:spcBef>
-                <a:spcPts val="0"/>
-              </a:spcBef>
-              <a:spcAft>
-                <a:spcPts val="0"/>
-              </a:spcAft>
+            <a:endParaRPr sz="1700" dirty="0"/>
+          </a:p>
+          <a:p>
+            <a:pPr marL="457200" indent="-336550">
               <a:buSzPts val="1700"/>
               <a:buAutoNum type="arabicPeriod"/>
             </a:pPr>
             <a:r>
-              <a:rPr lang="en" sz="1700"/>
+              <a:rPr lang="en" sz="1700" dirty="0"/>
               <a:t>아래2 코드가 실행될때, 이것 역시 if문 이므로  ‘조건 2’의 값이 참이면 아래3 코드가 실행됩니다. 거짓이면 아래4코드가 실행됩니다.   </a:t>
             </a:r>
-            <a:endParaRPr sz="1700"/>
+            <a:endParaRPr sz="1700" dirty="0"/>
           </a:p>
         </p:txBody>
       </p:sp>
@@ -7942,7 +7711,7 @@
         </p:nvSpPr>
         <p:spPr>
           <a:xfrm>
-            <a:off x="2765500" y="2130388"/>
+            <a:off x="4865696" y="2130388"/>
             <a:ext cx="269400" cy="1028700"/>
           </a:xfrm>
           <a:prstGeom prst="rightBracket">
@@ -7967,15 +7736,6 @@
           </a:bodyPr>
           <a:lstStyle/>
           <a:p>
-            <a:pPr marL="0" lvl="0" indent="0" algn="l" rtl="0">
-              <a:spcBef>
-                <a:spcPts val="0"/>
-              </a:spcBef>
-              <a:spcAft>
-                <a:spcPts val="0"/>
-              </a:spcAft>
-              <a:buNone/>
-            </a:pPr>
             <a:endParaRPr/>
           </a:p>
         </p:txBody>
@@ -7988,7 +7748,7 @@
         </p:nvSpPr>
         <p:spPr>
           <a:xfrm>
-            <a:off x="2526875" y="1730200"/>
+            <a:off x="4589493" y="1730200"/>
             <a:ext cx="1347000" cy="400200"/>
           </a:xfrm>
           <a:prstGeom prst="rect">
@@ -8005,20 +7765,11 @@
           </a:bodyPr>
           <a:lstStyle/>
           <a:p>
-            <a:pPr marL="0" lvl="0" indent="0" algn="l" rtl="0">
-              <a:spcBef>
-                <a:spcPts val="0"/>
-              </a:spcBef>
-              <a:spcAft>
-                <a:spcPts val="0"/>
-              </a:spcAft>
-              <a:buNone/>
-            </a:pPr>
-            <a:r>
-              <a:rPr lang="en"/>
+            <a:r>
+              <a:rPr lang="en" dirty="0"/>
               <a:t>아래1 코드</a:t>
             </a:r>
-            <a:endParaRPr/>
+            <a:endParaRPr dirty="0"/>
           </a:p>
         </p:txBody>
       </p:sp>
@@ -8030,7 +7781,7 @@
         </p:nvSpPr>
         <p:spPr>
           <a:xfrm>
-            <a:off x="4122575" y="4269213"/>
+            <a:off x="6390896" y="4851416"/>
             <a:ext cx="1255800" cy="400200"/>
           </a:xfrm>
           <a:prstGeom prst="rect">
@@ -8047,20 +7798,11 @@
           </a:bodyPr>
           <a:lstStyle/>
           <a:p>
-            <a:pPr marL="0" lvl="0" indent="0" algn="l" rtl="0">
-              <a:spcBef>
-                <a:spcPts val="0"/>
-              </a:spcBef>
-              <a:spcAft>
-                <a:spcPts val="0"/>
-              </a:spcAft>
-              <a:buNone/>
-            </a:pPr>
-            <a:r>
-              <a:rPr lang="en"/>
+            <a:r>
+              <a:rPr lang="en" dirty="0"/>
               <a:t>아래2 코드</a:t>
             </a:r>
-            <a:endParaRPr/>
+            <a:endParaRPr dirty="0"/>
           </a:p>
         </p:txBody>
       </p:sp>
@@ -8072,7 +7814,7 @@
         </p:nvSpPr>
         <p:spPr>
           <a:xfrm>
-            <a:off x="3441275" y="3927775"/>
+            <a:off x="5629153" y="3739885"/>
             <a:ext cx="681300" cy="2529300"/>
           </a:xfrm>
           <a:prstGeom prst="rightBracket">
@@ -8097,15 +7839,6 @@
           </a:bodyPr>
           <a:lstStyle/>
           <a:p>
-            <a:pPr marL="0" lvl="0" indent="0" algn="l" rtl="0">
-              <a:spcBef>
-                <a:spcPts val="0"/>
-              </a:spcBef>
-              <a:spcAft>
-                <a:spcPts val="0"/>
-              </a:spcAft>
-              <a:buNone/>
-            </a:pPr>
             <a:endParaRPr/>
           </a:p>
         </p:txBody>
@@ -8118,7 +7851,7 @@
         </p:nvSpPr>
         <p:spPr>
           <a:xfrm>
-            <a:off x="3288875" y="4080175"/>
+            <a:off x="4812875" y="3918807"/>
             <a:ext cx="269400" cy="589200"/>
           </a:xfrm>
           <a:prstGeom prst="rightBracket">
@@ -8143,15 +7876,6 @@
           </a:bodyPr>
           <a:lstStyle/>
           <a:p>
-            <a:pPr marL="0" lvl="0" indent="0" algn="l" rtl="0">
-              <a:spcBef>
-                <a:spcPts val="0"/>
-              </a:spcBef>
-              <a:spcAft>
-                <a:spcPts val="0"/>
-              </a:spcAft>
-              <a:buNone/>
-            </a:pPr>
             <a:endParaRPr/>
           </a:p>
         </p:txBody>
@@ -8164,7 +7888,7 @@
         </p:nvSpPr>
         <p:spPr>
           <a:xfrm>
-            <a:off x="2979575" y="4802613"/>
+            <a:off x="5135096" y="4025922"/>
             <a:ext cx="1255800" cy="400200"/>
           </a:xfrm>
           <a:prstGeom prst="rect">
@@ -8181,20 +7905,11 @@
           </a:bodyPr>
           <a:lstStyle/>
           <a:p>
-            <a:pPr marL="0" lvl="0" indent="0" algn="l" rtl="0">
-              <a:spcBef>
-                <a:spcPts val="0"/>
-              </a:spcBef>
-              <a:spcAft>
-                <a:spcPts val="0"/>
-              </a:spcAft>
-              <a:buNone/>
-            </a:pPr>
-            <a:r>
-              <a:rPr lang="en"/>
+            <a:r>
+              <a:rPr lang="en" dirty="0"/>
               <a:t>아래3 코드</a:t>
             </a:r>
-            <a:endParaRPr/>
+            <a:endParaRPr dirty="0"/>
           </a:p>
         </p:txBody>
       </p:sp>
@@ -8206,7 +7921,7 @@
         </p:nvSpPr>
         <p:spPr>
           <a:xfrm>
-            <a:off x="3288875" y="5832775"/>
+            <a:off x="4812875" y="5832775"/>
             <a:ext cx="269400" cy="589200"/>
           </a:xfrm>
           <a:prstGeom prst="rightBracket">
@@ -8231,15 +7946,6 @@
           </a:bodyPr>
           <a:lstStyle/>
           <a:p>
-            <a:pPr marL="0" lvl="0" indent="0" algn="l" rtl="0">
-              <a:spcBef>
-                <a:spcPts val="0"/>
-              </a:spcBef>
-              <a:spcAft>
-                <a:spcPts val="0"/>
-              </a:spcAft>
-              <a:buNone/>
-            </a:pPr>
             <a:endParaRPr/>
           </a:p>
         </p:txBody>
@@ -8252,7 +7958,7 @@
         </p:nvSpPr>
         <p:spPr>
           <a:xfrm>
-            <a:off x="3034900" y="5432563"/>
+            <a:off x="5135096" y="5832775"/>
             <a:ext cx="1255800" cy="400200"/>
           </a:xfrm>
           <a:prstGeom prst="rect">
@@ -8269,20 +7975,11 @@
           </a:bodyPr>
           <a:lstStyle/>
           <a:p>
-            <a:pPr marL="0" lvl="0" indent="0" algn="l" rtl="0">
-              <a:spcBef>
-                <a:spcPts val="0"/>
-              </a:spcBef>
-              <a:spcAft>
-                <a:spcPts val="0"/>
-              </a:spcAft>
-              <a:buNone/>
-            </a:pPr>
-            <a:r>
-              <a:rPr lang="en"/>
+            <a:r>
+              <a:rPr lang="en" dirty="0"/>
               <a:t>아래4 코드</a:t>
             </a:r>
-            <a:endParaRPr/>
+            <a:endParaRPr dirty="0"/>
           </a:p>
         </p:txBody>
       </p:sp>
@@ -8323,7 +8020,7 @@
         </p:nvSpPr>
         <p:spPr>
           <a:xfrm>
-            <a:off x="311700" y="593367"/>
+            <a:off x="1835700" y="593367"/>
             <a:ext cx="8520600" cy="763500"/>
           </a:xfrm>
           <a:prstGeom prst="rect">
@@ -8336,15 +8033,6 @@
           </a:bodyPr>
           <a:lstStyle/>
           <a:p>
-            <a:pPr marL="0" lvl="0" indent="0" algn="l" rtl="0">
-              <a:spcBef>
-                <a:spcPts val="0"/>
-              </a:spcBef>
-              <a:spcAft>
-                <a:spcPts val="0"/>
-              </a:spcAft>
-              <a:buNone/>
-            </a:pPr>
             <a:r>
               <a:rPr lang="en" b="1"/>
               <a:t>파이썬 제어문은 스크래치의 ‘제어’</a:t>
@@ -8369,7 +8057,7 @@
         </p:blipFill>
         <p:spPr>
           <a:xfrm>
-            <a:off x="1435000" y="1522367"/>
+            <a:off x="2959001" y="1522368"/>
             <a:ext cx="2456587" cy="5196333"/>
           </a:xfrm>
           <a:prstGeom prst="rect">
@@ -8389,7 +8077,7 @@
         </p:nvSpPr>
         <p:spPr>
           <a:xfrm>
-            <a:off x="4727125" y="1898200"/>
+            <a:off x="6251125" y="1898200"/>
             <a:ext cx="1910400" cy="646500"/>
           </a:xfrm>
           <a:prstGeom prst="rect">
@@ -8406,15 +8094,6 @@
           </a:bodyPr>
           <a:lstStyle/>
           <a:p>
-            <a:pPr marL="0" lvl="0" indent="0" algn="l" rtl="0">
-              <a:spcBef>
-                <a:spcPts val="0"/>
-              </a:spcBef>
-              <a:spcAft>
-                <a:spcPts val="0"/>
-              </a:spcAft>
-              <a:buNone/>
-            </a:pPr>
             <a:r>
               <a:rPr lang="en" sz="3000"/>
               <a:t>for 문 </a:t>
@@ -8431,7 +8110,7 @@
         </p:nvSpPr>
         <p:spPr>
           <a:xfrm>
-            <a:off x="4727125" y="3703850"/>
+            <a:off x="6251125" y="3703850"/>
             <a:ext cx="1910400" cy="646500"/>
           </a:xfrm>
           <a:prstGeom prst="rect">
@@ -8448,15 +8127,6 @@
           </a:bodyPr>
           <a:lstStyle/>
           <a:p>
-            <a:pPr marL="0" lvl="0" indent="0" algn="l" rtl="0">
-              <a:spcBef>
-                <a:spcPts val="0"/>
-              </a:spcBef>
-              <a:spcAft>
-                <a:spcPts val="0"/>
-              </a:spcAft>
-              <a:buNone/>
-            </a:pPr>
             <a:r>
               <a:rPr lang="en" sz="3000"/>
               <a:t>while 문 </a:t>
@@ -8473,7 +8143,7 @@
         </p:nvSpPr>
         <p:spPr>
           <a:xfrm>
-            <a:off x="4727125" y="5456450"/>
+            <a:off x="6251125" y="5456450"/>
             <a:ext cx="1910400" cy="646500"/>
           </a:xfrm>
           <a:prstGeom prst="rect">
@@ -8490,15 +8160,6 @@
           </a:bodyPr>
           <a:lstStyle/>
           <a:p>
-            <a:pPr marL="0" lvl="0" indent="0" algn="l" rtl="0">
-              <a:spcBef>
-                <a:spcPts val="0"/>
-              </a:spcBef>
-              <a:spcAft>
-                <a:spcPts val="0"/>
-              </a:spcAft>
-              <a:buNone/>
-            </a:pPr>
             <a:r>
               <a:rPr lang="en" sz="3000"/>
               <a:t>if 문 </a:t>
@@ -8544,7 +8205,7 @@
         </p:nvSpPr>
         <p:spPr>
           <a:xfrm>
-            <a:off x="311700" y="593367"/>
+            <a:off x="1835700" y="593367"/>
             <a:ext cx="8520600" cy="763500"/>
           </a:xfrm>
           <a:prstGeom prst="rect">
@@ -8557,15 +8218,6 @@
           </a:bodyPr>
           <a:lstStyle/>
           <a:p>
-            <a:pPr marL="0" lvl="0" indent="0" algn="l" rtl="0">
-              <a:spcBef>
-                <a:spcPts val="0"/>
-              </a:spcBef>
-              <a:spcAft>
-                <a:spcPts val="0"/>
-              </a:spcAft>
-              <a:buNone/>
-            </a:pPr>
             <a:r>
               <a:rPr lang="en" b="1"/>
               <a:t>파이썬 if  문 </a:t>
@@ -8586,7 +8238,7 @@
         </p:nvSpPr>
         <p:spPr>
           <a:xfrm>
-            <a:off x="311700" y="1536622"/>
+            <a:off x="1835700" y="1536622"/>
             <a:ext cx="8520600" cy="2859900"/>
           </a:xfrm>
           <a:prstGeom prst="rect">
@@ -8599,13 +8251,7 @@
           </a:bodyPr>
           <a:lstStyle/>
           <a:p>
-            <a:pPr marL="0" lvl="0" indent="0" algn="l" rtl="0">
-              <a:spcBef>
-                <a:spcPts val="0"/>
-              </a:spcBef>
-              <a:spcAft>
-                <a:spcPts val="0"/>
-              </a:spcAft>
+            <a:pPr marL="0" indent="0">
               <a:buNone/>
             </a:pPr>
             <a:r>
@@ -8615,13 +8261,10 @@
             <a:endParaRPr sz="2400" b="1" dirty="0"/>
           </a:p>
           <a:p>
-            <a:pPr marL="0" lvl="0" indent="0" algn="l" rtl="0">
+            <a:pPr marL="0" indent="0">
               <a:spcBef>
                 <a:spcPts val="1200"/>
               </a:spcBef>
-              <a:spcAft>
-                <a:spcPts val="0"/>
-              </a:spcAft>
               <a:buNone/>
             </a:pPr>
             <a:r>
@@ -8631,13 +8274,10 @@
             <a:endParaRPr sz="2400" b="1" dirty="0"/>
           </a:p>
           <a:p>
-            <a:pPr marL="0" lvl="0" indent="457200" algn="l" rtl="0">
+            <a:pPr marL="0" indent="457200">
               <a:spcBef>
                 <a:spcPts val="1200"/>
               </a:spcBef>
-              <a:spcAft>
-                <a:spcPts val="0"/>
-              </a:spcAft>
               <a:buNone/>
             </a:pPr>
             <a:r>
@@ -8647,13 +8287,10 @@
             <a:endParaRPr sz="2400" b="1" dirty="0"/>
           </a:p>
           <a:p>
-            <a:pPr marL="0" lvl="0" indent="457200" algn="l" rtl="0">
+            <a:pPr marL="0" indent="457200">
               <a:spcBef>
                 <a:spcPts val="1200"/>
               </a:spcBef>
-              <a:spcAft>
-                <a:spcPts val="0"/>
-              </a:spcAft>
               <a:buNone/>
             </a:pPr>
             <a:r>
@@ -8663,7 +8300,7 @@
             <a:endParaRPr sz="2400" b="1" dirty="0"/>
           </a:p>
           <a:p>
-            <a:pPr marL="0" lvl="0" indent="457200" algn="l" rtl="0">
+            <a:pPr marL="0" indent="457200">
               <a:spcBef>
                 <a:spcPts val="1200"/>
               </a:spcBef>
@@ -8688,7 +8325,7 @@
         </p:nvSpPr>
         <p:spPr>
           <a:xfrm>
-            <a:off x="3710675" y="1579800"/>
+            <a:off x="5234675" y="1579800"/>
             <a:ext cx="5121600" cy="1493100"/>
           </a:xfrm>
           <a:prstGeom prst="rect">
@@ -8705,13 +8342,7 @@
           </a:bodyPr>
           <a:lstStyle/>
           <a:p>
-            <a:pPr marL="457200" lvl="0" indent="-336550" algn="l" rtl="0">
-              <a:spcBef>
-                <a:spcPts val="0"/>
-              </a:spcBef>
-              <a:spcAft>
-                <a:spcPts val="0"/>
-              </a:spcAft>
+            <a:pPr marL="457200" indent="-336550">
               <a:buSzPts val="1700"/>
               <a:buAutoNum type="arabicPeriod"/>
             </a:pPr>
@@ -8722,13 +8353,7 @@
             <a:endParaRPr sz="1700"/>
           </a:p>
           <a:p>
-            <a:pPr marL="457200" lvl="0" indent="-336550" algn="l" rtl="0">
-              <a:spcBef>
-                <a:spcPts val="0"/>
-              </a:spcBef>
-              <a:spcAft>
-                <a:spcPts val="0"/>
-              </a:spcAft>
+            <a:pPr marL="457200" indent="-336550">
               <a:buSzPts val="1700"/>
               <a:buAutoNum type="arabicPeriod"/>
             </a:pPr>
@@ -8739,13 +8364,7 @@
             <a:endParaRPr sz="1700"/>
           </a:p>
           <a:p>
-            <a:pPr marL="457200" lvl="0" indent="-336550" algn="l" rtl="0">
-              <a:spcBef>
-                <a:spcPts val="0"/>
-              </a:spcBef>
-              <a:spcAft>
-                <a:spcPts val="0"/>
-              </a:spcAft>
+            <a:pPr marL="457200" indent="-336550">
               <a:buSzPts val="1700"/>
               <a:buAutoNum type="arabicPeriod"/>
             </a:pPr>
@@ -8765,7 +8384,7 @@
         </p:nvSpPr>
         <p:spPr>
           <a:xfrm>
-            <a:off x="2951400" y="2400300"/>
+            <a:off x="4475400" y="2400300"/>
             <a:ext cx="269400" cy="1665600"/>
           </a:xfrm>
           <a:prstGeom prst="rightBracket">
@@ -8790,15 +8409,6 @@
           </a:bodyPr>
           <a:lstStyle/>
           <a:p>
-            <a:pPr marL="0" lvl="0" indent="0" algn="l" rtl="0">
-              <a:spcBef>
-                <a:spcPts val="0"/>
-              </a:spcBef>
-              <a:spcAft>
-                <a:spcPts val="0"/>
-              </a:spcAft>
-              <a:buNone/>
-            </a:pPr>
             <a:endParaRPr/>
           </a:p>
         </p:txBody>
@@ -8811,7 +8421,7 @@
         </p:nvSpPr>
         <p:spPr>
           <a:xfrm>
-            <a:off x="2608500" y="1678488"/>
+            <a:off x="4132500" y="1678488"/>
             <a:ext cx="955200" cy="400200"/>
           </a:xfrm>
           <a:prstGeom prst="rect">
@@ -8828,15 +8438,6 @@
           </a:bodyPr>
           <a:lstStyle/>
           <a:p>
-            <a:pPr marL="0" lvl="0" indent="0" algn="l" rtl="0">
-              <a:spcBef>
-                <a:spcPts val="0"/>
-              </a:spcBef>
-              <a:spcAft>
-                <a:spcPts val="0"/>
-              </a:spcAft>
-              <a:buNone/>
-            </a:pPr>
             <a:r>
               <a:rPr lang="en"/>
               <a:t>아래 코드</a:t>
@@ -8882,7 +8483,7 @@
         </p:nvSpPr>
         <p:spPr>
           <a:xfrm>
-            <a:off x="311700" y="593367"/>
+            <a:off x="1835700" y="593367"/>
             <a:ext cx="8520600" cy="763500"/>
           </a:xfrm>
           <a:prstGeom prst="rect">
@@ -8895,15 +8496,6 @@
           </a:bodyPr>
           <a:lstStyle/>
           <a:p>
-            <a:pPr marL="0" lvl="0" indent="0" algn="l" rtl="0">
-              <a:spcBef>
-                <a:spcPts val="0"/>
-              </a:spcBef>
-              <a:spcAft>
-                <a:spcPts val="0"/>
-              </a:spcAft>
-              <a:buNone/>
-            </a:pPr>
             <a:r>
               <a:rPr lang="en" b="1"/>
               <a:t>if문 들여쓰기 </a:t>
@@ -8924,7 +8516,7 @@
         </p:nvSpPr>
         <p:spPr>
           <a:xfrm>
-            <a:off x="311700" y="1536622"/>
+            <a:off x="1835700" y="1536622"/>
             <a:ext cx="8520600" cy="2859900"/>
           </a:xfrm>
           <a:prstGeom prst="rect">
@@ -8937,13 +8529,7 @@
           </a:bodyPr>
           <a:lstStyle/>
           <a:p>
-            <a:pPr marL="0" lvl="0" indent="0" algn="l" rtl="0">
-              <a:spcBef>
-                <a:spcPts val="0"/>
-              </a:spcBef>
-              <a:spcAft>
-                <a:spcPts val="0"/>
-              </a:spcAft>
+            <a:pPr marL="0" indent="0">
               <a:buNone/>
             </a:pPr>
             <a:r>
@@ -8953,13 +8539,10 @@
             <a:endParaRPr sz="2400" b="1" dirty="0"/>
           </a:p>
           <a:p>
-            <a:pPr marL="0" lvl="0" indent="0" algn="l" rtl="0">
+            <a:pPr marL="0" indent="0">
               <a:spcBef>
                 <a:spcPts val="1200"/>
               </a:spcBef>
-              <a:spcAft>
-                <a:spcPts val="0"/>
-              </a:spcAft>
               <a:buNone/>
             </a:pPr>
             <a:r>
@@ -8969,13 +8552,10 @@
             <a:endParaRPr sz="2400" b="1" dirty="0"/>
           </a:p>
           <a:p>
-            <a:pPr marL="0" lvl="0" indent="457200" algn="l" rtl="0">
+            <a:pPr marL="0" indent="457200">
               <a:spcBef>
                 <a:spcPts val="1200"/>
               </a:spcBef>
-              <a:spcAft>
-                <a:spcPts val="0"/>
-              </a:spcAft>
               <a:buNone/>
             </a:pPr>
             <a:r>
@@ -8985,13 +8565,10 @@
             <a:endParaRPr sz="2400" b="1" dirty="0"/>
           </a:p>
           <a:p>
-            <a:pPr marL="0" lvl="0" indent="457200" algn="l" rtl="0">
+            <a:pPr marL="0" indent="457200">
               <a:spcBef>
                 <a:spcPts val="1200"/>
               </a:spcBef>
-              <a:spcAft>
-                <a:spcPts val="0"/>
-              </a:spcAft>
               <a:buNone/>
             </a:pPr>
             <a:r>
@@ -9001,7 +8578,7 @@
             <a:endParaRPr sz="2400" b="1" dirty="0"/>
           </a:p>
           <a:p>
-            <a:pPr marL="0" lvl="0" indent="0" algn="l" rtl="0">
+            <a:pPr marL="0" indent="0">
               <a:spcBef>
                 <a:spcPts val="1200"/>
               </a:spcBef>
@@ -9026,7 +8603,7 @@
         </p:nvSpPr>
         <p:spPr>
           <a:xfrm>
-            <a:off x="3710675" y="1579800"/>
+            <a:off x="5234675" y="1579800"/>
             <a:ext cx="5121600" cy="1231500"/>
           </a:xfrm>
           <a:prstGeom prst="rect">
@@ -9043,13 +8620,7 @@
           </a:bodyPr>
           <a:lstStyle/>
           <a:p>
-            <a:pPr marL="457200" lvl="0" indent="-336550" algn="l" rtl="0">
-              <a:spcBef>
-                <a:spcPts val="0"/>
-              </a:spcBef>
-              <a:spcAft>
-                <a:spcPts val="0"/>
-              </a:spcAft>
+            <a:pPr marL="457200" indent="-336550">
               <a:buSzPts val="1700"/>
               <a:buAutoNum type="arabicPeriod"/>
             </a:pPr>
@@ -9060,13 +8631,7 @@
             <a:endParaRPr sz="1700"/>
           </a:p>
           <a:p>
-            <a:pPr marL="457200" lvl="0" indent="-336550" algn="l" rtl="0">
-              <a:spcBef>
-                <a:spcPts val="0"/>
-              </a:spcBef>
-              <a:spcAft>
-                <a:spcPts val="0"/>
-              </a:spcAft>
+            <a:pPr marL="457200" indent="-336550">
               <a:buSzPts val="1700"/>
               <a:buAutoNum type="arabicPeriod"/>
             </a:pPr>
@@ -9077,13 +8642,7 @@
             <a:endParaRPr sz="1700"/>
           </a:p>
           <a:p>
-            <a:pPr marL="457200" lvl="0" indent="-336550" algn="l" rtl="0">
-              <a:spcBef>
-                <a:spcPts val="0"/>
-              </a:spcBef>
-              <a:spcAft>
-                <a:spcPts val="0"/>
-              </a:spcAft>
+            <a:pPr marL="457200" indent="-336550">
               <a:buSzPts val="1700"/>
               <a:buAutoNum type="arabicPeriod"/>
             </a:pPr>
@@ -9103,7 +8662,7 @@
         </p:nvSpPr>
         <p:spPr>
           <a:xfrm>
-            <a:off x="2495125" y="2265625"/>
+            <a:off x="4019125" y="2265625"/>
             <a:ext cx="269400" cy="1401900"/>
           </a:xfrm>
           <a:prstGeom prst="rightBracket">
@@ -9128,15 +8687,6 @@
           </a:bodyPr>
           <a:lstStyle/>
           <a:p>
-            <a:pPr marL="0" lvl="0" indent="0" algn="l" rtl="0">
-              <a:spcBef>
-                <a:spcPts val="0"/>
-              </a:spcBef>
-              <a:spcAft>
-                <a:spcPts val="0"/>
-              </a:spcAft>
-              <a:buNone/>
-            </a:pPr>
             <a:endParaRPr/>
           </a:p>
         </p:txBody>
@@ -9149,7 +8699,7 @@
         </p:nvSpPr>
         <p:spPr>
           <a:xfrm>
-            <a:off x="2608500" y="1678500"/>
+            <a:off x="4132500" y="1678500"/>
             <a:ext cx="1166100" cy="400200"/>
           </a:xfrm>
           <a:prstGeom prst="rect">
@@ -9166,15 +8716,6 @@
           </a:bodyPr>
           <a:lstStyle/>
           <a:p>
-            <a:pPr marL="0" lvl="0" indent="0" algn="l" rtl="0">
-              <a:spcBef>
-                <a:spcPts val="0"/>
-              </a:spcBef>
-              <a:spcAft>
-                <a:spcPts val="0"/>
-              </a:spcAft>
-              <a:buNone/>
-            </a:pPr>
             <a:r>
               <a:rPr lang="en"/>
               <a:t>아래1 코드</a:t>
@@ -9191,7 +8732,7 @@
         </p:nvSpPr>
         <p:spPr>
           <a:xfrm>
-            <a:off x="2926800" y="3932525"/>
+            <a:off x="4450800" y="3932525"/>
             <a:ext cx="1166100" cy="400200"/>
           </a:xfrm>
           <a:prstGeom prst="rect">
@@ -9208,15 +8749,6 @@
           </a:bodyPr>
           <a:lstStyle/>
           <a:p>
-            <a:pPr marL="0" lvl="0" indent="0" algn="l" rtl="0">
-              <a:spcBef>
-                <a:spcPts val="0"/>
-              </a:spcBef>
-              <a:spcAft>
-                <a:spcPts val="0"/>
-              </a:spcAft>
-              <a:buNone/>
-            </a:pPr>
             <a:r>
               <a:rPr lang="en"/>
               <a:t>아래2 코드</a:t>
@@ -9233,7 +8765,7 @@
         </p:nvSpPr>
         <p:spPr>
           <a:xfrm>
-            <a:off x="2495125" y="3854450"/>
+            <a:off x="4019125" y="3854450"/>
             <a:ext cx="269400" cy="499500"/>
           </a:xfrm>
           <a:prstGeom prst="rightBracket">
@@ -9258,15 +8790,6 @@
           </a:bodyPr>
           <a:lstStyle/>
           <a:p>
-            <a:pPr marL="0" lvl="0" indent="0" algn="l" rtl="0">
-              <a:spcBef>
-                <a:spcPts val="0"/>
-              </a:spcBef>
-              <a:spcAft>
-                <a:spcPts val="0"/>
-              </a:spcAft>
-              <a:buNone/>
-            </a:pPr>
             <a:endParaRPr/>
           </a:p>
         </p:txBody>
@@ -9308,7 +8831,7 @@
         </p:nvSpPr>
         <p:spPr>
           <a:xfrm>
-            <a:off x="311700" y="593367"/>
+            <a:off x="1835700" y="593367"/>
             <a:ext cx="8520600" cy="763500"/>
           </a:xfrm>
           <a:prstGeom prst="rect">
@@ -9321,15 +8844,6 @@
           </a:bodyPr>
           <a:lstStyle/>
           <a:p>
-            <a:pPr marL="0" lvl="0" indent="0" algn="l" rtl="0">
-              <a:spcBef>
-                <a:spcPts val="0"/>
-              </a:spcBef>
-              <a:spcAft>
-                <a:spcPts val="0"/>
-              </a:spcAft>
-              <a:buNone/>
-            </a:pPr>
             <a:r>
               <a:rPr lang="en" b="1"/>
               <a:t>파이썬 프롬프트에서 if 실습 </a:t>
@@ -9354,7 +8868,7 @@
         </p:blipFill>
         <p:spPr>
           <a:xfrm>
-            <a:off x="728000" y="1276567"/>
+            <a:off x="2252001" y="1276568"/>
             <a:ext cx="7297205" cy="5196333"/>
           </a:xfrm>
           <a:prstGeom prst="rect">
@@ -9403,7 +8917,7 @@
         </p:nvSpPr>
         <p:spPr>
           <a:xfrm>
-            <a:off x="311700" y="593367"/>
+            <a:off x="1835700" y="593367"/>
             <a:ext cx="8520600" cy="763500"/>
           </a:xfrm>
           <a:prstGeom prst="rect">
@@ -9416,15 +8930,6 @@
           </a:bodyPr>
           <a:lstStyle/>
           <a:p>
-            <a:pPr marL="0" lvl="0" indent="0" algn="l" rtl="0">
-              <a:spcBef>
-                <a:spcPts val="0"/>
-              </a:spcBef>
-              <a:spcAft>
-                <a:spcPts val="0"/>
-              </a:spcAft>
-              <a:buNone/>
-            </a:pPr>
             <a:r>
               <a:rPr lang="en" b="1"/>
               <a:t>파이썬 if 문 ‘조건’</a:t>
@@ -9445,7 +8950,7 @@
         </p:nvSpPr>
         <p:spPr>
           <a:xfrm>
-            <a:off x="311700" y="1536632"/>
+            <a:off x="1835700" y="1536632"/>
             <a:ext cx="8395500" cy="667800"/>
           </a:xfrm>
           <a:prstGeom prst="rect">
@@ -9458,15 +8963,8 @@
           </a:bodyPr>
           <a:lstStyle/>
           <a:p>
-            <a:pPr marL="457200" lvl="0" indent="-334327" algn="l" rtl="0">
-              <a:spcBef>
-                <a:spcPts val="0"/>
-              </a:spcBef>
-              <a:spcAft>
-                <a:spcPts val="0"/>
-              </a:spcAft>
+            <a:pPr indent="-334327">
               <a:buSzPct val="100000"/>
-              <a:buChar char="●"/>
             </a:pPr>
             <a:r>
               <a:rPr lang="en"/>
@@ -9475,15 +8973,8 @@
             <a:endParaRPr/>
           </a:p>
           <a:p>
-            <a:pPr marL="457200" lvl="0" indent="-334327" algn="l" rtl="0">
-              <a:spcBef>
-                <a:spcPts val="0"/>
-              </a:spcBef>
-              <a:spcAft>
-                <a:spcPts val="0"/>
-              </a:spcAft>
+            <a:pPr indent="-334327">
               <a:buSzPct val="100000"/>
-              <a:buChar char="●"/>
             </a:pPr>
             <a:r>
               <a:rPr lang="en"/>
@@ -9501,7 +8992,7 @@
         </p:nvSpPr>
         <p:spPr>
           <a:xfrm>
-            <a:off x="578275" y="2326825"/>
+            <a:off x="2102275" y="2326825"/>
             <a:ext cx="7053900" cy="2770500"/>
           </a:xfrm>
           <a:prstGeom prst="rect">
@@ -9518,15 +9009,6 @@
           </a:bodyPr>
           <a:lstStyle/>
           <a:p>
-            <a:pPr marL="0" lvl="0" indent="0" algn="l" rtl="0">
-              <a:spcBef>
-                <a:spcPts val="0"/>
-              </a:spcBef>
-              <a:spcAft>
-                <a:spcPts val="0"/>
-              </a:spcAft>
-              <a:buNone/>
-            </a:pPr>
             <a:r>
               <a:rPr lang="en" sz="2400" dirty="0"/>
               <a:t>result = 10 &gt; 4</a:t>
@@ -9534,15 +9016,6 @@
             <a:endParaRPr sz="2400" dirty="0"/>
           </a:p>
           <a:p>
-            <a:pPr marL="0" lvl="0" indent="0" algn="l" rtl="0">
-              <a:spcBef>
-                <a:spcPts val="0"/>
-              </a:spcBef>
-              <a:spcAft>
-                <a:spcPts val="0"/>
-              </a:spcAft>
-              <a:buNone/>
-            </a:pPr>
             <a:r>
               <a:rPr lang="en" sz="2400" dirty="0"/>
               <a:t>if  result:</a:t>
@@ -9550,15 +9023,6 @@
             <a:endParaRPr sz="2400" dirty="0"/>
           </a:p>
           <a:p>
-            <a:pPr marL="0" lvl="0" indent="0" algn="l" rtl="0">
-              <a:spcBef>
-                <a:spcPts val="0"/>
-              </a:spcBef>
-              <a:spcAft>
-                <a:spcPts val="0"/>
-              </a:spcAft>
-              <a:buNone/>
-            </a:pPr>
             <a:r>
               <a:rPr lang="en" sz="2400" dirty="0"/>
               <a:t>	print(“this is test”)</a:t>
@@ -9566,27 +9030,9 @@
             <a:endParaRPr sz="2400" dirty="0"/>
           </a:p>
           <a:p>
-            <a:pPr marL="0" lvl="0" indent="0" algn="l" rtl="0">
-              <a:spcBef>
-                <a:spcPts val="0"/>
-              </a:spcBef>
-              <a:spcAft>
-                <a:spcPts val="0"/>
-              </a:spcAft>
-              <a:buNone/>
-            </a:pPr>
             <a:endParaRPr sz="2400" dirty="0"/>
           </a:p>
           <a:p>
-            <a:pPr marL="0" lvl="0" indent="0" algn="l" rtl="0">
-              <a:spcBef>
-                <a:spcPts val="0"/>
-              </a:spcBef>
-              <a:spcAft>
-                <a:spcPts val="0"/>
-              </a:spcAft>
-              <a:buNone/>
-            </a:pPr>
             <a:r>
               <a:rPr lang="en" sz="2400" dirty="0"/>
               <a:t>result = 10 - 4</a:t>
@@ -9594,15 +9040,6 @@
             <a:endParaRPr sz="2400" dirty="0"/>
           </a:p>
           <a:p>
-            <a:pPr marL="0" lvl="0" indent="0" algn="l" rtl="0">
-              <a:spcBef>
-                <a:spcPts val="0"/>
-              </a:spcBef>
-              <a:spcAft>
-                <a:spcPts val="0"/>
-              </a:spcAft>
-              <a:buNone/>
-            </a:pPr>
             <a:r>
               <a:rPr lang="en" sz="2400" dirty="0"/>
               <a:t>if result:</a:t>
@@ -9610,15 +9047,6 @@
             <a:endParaRPr sz="2400" dirty="0"/>
           </a:p>
           <a:p>
-            <a:pPr marL="0" lvl="0" indent="0" algn="l" rtl="0">
-              <a:spcBef>
-                <a:spcPts val="0"/>
-              </a:spcBef>
-              <a:spcAft>
-                <a:spcPts val="0"/>
-              </a:spcAft>
-              <a:buNone/>
-            </a:pPr>
             <a:r>
               <a:rPr lang="en" sz="2400" dirty="0"/>
               <a:t>	print(“Hello world”)</a:t>
@@ -9664,7 +9092,7 @@
         </p:nvSpPr>
         <p:spPr>
           <a:xfrm>
-            <a:off x="311700" y="593367"/>
+            <a:off x="1835700" y="593367"/>
             <a:ext cx="8520600" cy="763500"/>
           </a:xfrm>
           <a:prstGeom prst="rect">
@@ -9677,15 +9105,6 @@
           </a:bodyPr>
           <a:lstStyle/>
           <a:p>
-            <a:pPr marL="0" lvl="0" indent="0" algn="l" rtl="0">
-              <a:spcBef>
-                <a:spcPts val="0"/>
-              </a:spcBef>
-              <a:spcAft>
-                <a:spcPts val="0"/>
-              </a:spcAft>
-              <a:buNone/>
-            </a:pPr>
             <a:r>
               <a:rPr lang="en" b="1"/>
               <a:t>파이썬 if 문 ‘조건’ </a:t>
@@ -9706,7 +9125,7 @@
         </p:nvSpPr>
         <p:spPr>
           <a:xfrm>
-            <a:off x="311700" y="1536632"/>
+            <a:off x="1835700" y="1536632"/>
             <a:ext cx="8395500" cy="667800"/>
           </a:xfrm>
           <a:prstGeom prst="rect">
@@ -9719,15 +9138,8 @@
           </a:bodyPr>
           <a:lstStyle/>
           <a:p>
-            <a:pPr marL="457200" lvl="0" indent="-334327" algn="l" rtl="0">
-              <a:spcBef>
-                <a:spcPts val="0"/>
-              </a:spcBef>
-              <a:spcAft>
-                <a:spcPts val="0"/>
-              </a:spcAft>
+            <a:pPr indent="-334327">
               <a:buSzPct val="100000"/>
-              <a:buChar char="●"/>
             </a:pPr>
             <a:r>
               <a:rPr lang="en"/>
@@ -9736,15 +9148,8 @@
             <a:endParaRPr/>
           </a:p>
           <a:p>
-            <a:pPr marL="457200" lvl="0" indent="-334327" algn="l" rtl="0">
-              <a:spcBef>
-                <a:spcPts val="0"/>
-              </a:spcBef>
-              <a:spcAft>
-                <a:spcPts val="0"/>
-              </a:spcAft>
+            <a:pPr indent="-334327">
               <a:buSzPct val="100000"/>
-              <a:buChar char="●"/>
             </a:pPr>
             <a:r>
               <a:rPr lang="en"/>
@@ -9762,7 +9167,7 @@
         </p:nvSpPr>
         <p:spPr>
           <a:xfrm>
-            <a:off x="578275" y="2631625"/>
+            <a:off x="2102275" y="2631625"/>
             <a:ext cx="7053900" cy="4248300"/>
           </a:xfrm>
           <a:prstGeom prst="rect">
@@ -9779,15 +9184,6 @@
           </a:bodyPr>
           <a:lstStyle/>
           <a:p>
-            <a:pPr marL="0" lvl="0" indent="0" algn="l" rtl="0">
-              <a:spcBef>
-                <a:spcPts val="0"/>
-              </a:spcBef>
-              <a:spcAft>
-                <a:spcPts val="0"/>
-              </a:spcAft>
-              <a:buNone/>
-            </a:pPr>
             <a:r>
               <a:rPr lang="en" sz="2400"/>
               <a:t>result1 = 10 &gt; 4</a:t>
@@ -9795,15 +9191,6 @@
             <a:endParaRPr sz="2400"/>
           </a:p>
           <a:p>
-            <a:pPr marL="0" lvl="0" indent="0" algn="l" rtl="0">
-              <a:spcBef>
-                <a:spcPts val="0"/>
-              </a:spcBef>
-              <a:spcAft>
-                <a:spcPts val="0"/>
-              </a:spcAft>
-              <a:buNone/>
-            </a:pPr>
             <a:r>
               <a:rPr lang="en" sz="2400"/>
               <a:t>result2 = False</a:t>
@@ -9811,27 +9198,9 @@
             <a:endParaRPr sz="2400"/>
           </a:p>
           <a:p>
-            <a:pPr marL="0" lvl="0" indent="0" algn="l" rtl="0">
-              <a:spcBef>
-                <a:spcPts val="0"/>
-              </a:spcBef>
-              <a:spcAft>
-                <a:spcPts val="0"/>
-              </a:spcAft>
-              <a:buNone/>
-            </a:pPr>
             <a:endParaRPr sz="2400"/>
           </a:p>
           <a:p>
-            <a:pPr marL="0" lvl="0" indent="0" algn="l" rtl="0">
-              <a:spcBef>
-                <a:spcPts val="0"/>
-              </a:spcBef>
-              <a:spcAft>
-                <a:spcPts val="0"/>
-              </a:spcAft>
-              <a:buNone/>
-            </a:pPr>
             <a:r>
               <a:rPr lang="en" sz="2400"/>
               <a:t>result3 = result1 and result2</a:t>
@@ -9839,15 +9208,6 @@
             <a:endParaRPr sz="2400"/>
           </a:p>
           <a:p>
-            <a:pPr marL="0" lvl="0" indent="0" algn="l" rtl="0">
-              <a:spcBef>
-                <a:spcPts val="0"/>
-              </a:spcBef>
-              <a:spcAft>
-                <a:spcPts val="0"/>
-              </a:spcAft>
-              <a:buNone/>
-            </a:pPr>
             <a:r>
               <a:rPr lang="en" sz="2400"/>
               <a:t>if  result3:</a:t>
@@ -9855,15 +9215,6 @@
             <a:endParaRPr sz="2400"/>
           </a:p>
           <a:p>
-            <a:pPr marL="0" lvl="0" indent="0" algn="l" rtl="0">
-              <a:spcBef>
-                <a:spcPts val="0"/>
-              </a:spcBef>
-              <a:spcAft>
-                <a:spcPts val="0"/>
-              </a:spcAft>
-              <a:buNone/>
-            </a:pPr>
             <a:r>
               <a:rPr lang="en" sz="2400"/>
               <a:t>	print(“this is AND”)</a:t>
@@ -9871,31 +9222,14 @@
             <a:endParaRPr sz="2400"/>
           </a:p>
           <a:p>
-            <a:pPr marL="0" lvl="0" indent="0" algn="l" rtl="0">
-              <a:spcBef>
-                <a:spcPts val="0"/>
-              </a:spcBef>
-              <a:spcAft>
-                <a:spcPts val="0"/>
-              </a:spcAft>
-              <a:buNone/>
-            </a:pPr>
             <a:endParaRPr sz="2400"/>
           </a:p>
           <a:p>
-            <a:pPr marL="0" lvl="0" indent="0" algn="l" rtl="0">
-              <a:spcBef>
-                <a:spcPts val="0"/>
-              </a:spcBef>
-              <a:spcAft>
-                <a:spcPts val="0"/>
-              </a:spcAft>
+            <a:pPr>
               <a:buClr>
                 <a:schemeClr val="dk1"/>
               </a:buClr>
               <a:buSzPts val="1100"/>
-              <a:buFont typeface="Arial"/>
-              <a:buNone/>
             </a:pPr>
             <a:r>
               <a:rPr lang="en" sz="2400">
@@ -9912,19 +9246,11 @@
             </a:endParaRPr>
           </a:p>
           <a:p>
-            <a:pPr marL="0" lvl="0" indent="0" algn="l" rtl="0">
-              <a:spcBef>
-                <a:spcPts val="0"/>
-              </a:spcBef>
-              <a:spcAft>
-                <a:spcPts val="0"/>
-              </a:spcAft>
+            <a:pPr>
               <a:buClr>
                 <a:schemeClr val="dk1"/>
               </a:buClr>
               <a:buSzPts val="1100"/>
-              <a:buFont typeface="Arial"/>
-              <a:buNone/>
             </a:pPr>
             <a:r>
               <a:rPr lang="en" sz="2400">
@@ -9941,19 +9267,11 @@
             </a:endParaRPr>
           </a:p>
           <a:p>
-            <a:pPr marL="0" lvl="0" indent="0" algn="l" rtl="0">
-              <a:spcBef>
-                <a:spcPts val="0"/>
-              </a:spcBef>
-              <a:spcAft>
-                <a:spcPts val="0"/>
-              </a:spcAft>
+            <a:pPr>
               <a:buClr>
                 <a:schemeClr val="dk1"/>
               </a:buClr>
               <a:buSzPts val="1100"/>
-              <a:buFont typeface="Arial"/>
-              <a:buNone/>
             </a:pPr>
             <a:r>
               <a:rPr lang="en" sz="2400">
@@ -9966,15 +9284,6 @@
             <a:endParaRPr sz="2400"/>
           </a:p>
           <a:p>
-            <a:pPr marL="0" lvl="0" indent="0" algn="l" rtl="0">
-              <a:spcBef>
-                <a:spcPts val="0"/>
-              </a:spcBef>
-              <a:spcAft>
-                <a:spcPts val="0"/>
-              </a:spcAft>
-              <a:buNone/>
-            </a:pPr>
             <a:endParaRPr sz="2400"/>
           </a:p>
         </p:txBody>
@@ -10016,7 +9325,7 @@
         </p:nvSpPr>
         <p:spPr>
           <a:xfrm>
-            <a:off x="311700" y="593367"/>
+            <a:off x="1835700" y="593367"/>
             <a:ext cx="8520600" cy="763500"/>
           </a:xfrm>
           <a:prstGeom prst="rect">
@@ -10029,15 +9338,6 @@
           </a:bodyPr>
           <a:lstStyle/>
           <a:p>
-            <a:pPr marL="0" lvl="0" indent="0" algn="l" rtl="0">
-              <a:spcBef>
-                <a:spcPts val="0"/>
-              </a:spcBef>
-              <a:spcAft>
-                <a:spcPts val="0"/>
-              </a:spcAft>
-              <a:buNone/>
-            </a:pPr>
             <a:r>
               <a:rPr lang="en" b="1"/>
               <a:t>파이썬 if - else 문</a:t>
@@ -10058,7 +9358,7 @@
         </p:nvSpPr>
         <p:spPr>
           <a:xfrm>
-            <a:off x="311700" y="1536625"/>
+            <a:off x="1835700" y="1536625"/>
             <a:ext cx="8520600" cy="5321400"/>
           </a:xfrm>
           <a:prstGeom prst="rect">
@@ -10071,13 +9371,7 @@
           </a:bodyPr>
           <a:lstStyle/>
           <a:p>
-            <a:pPr marL="0" lvl="0" indent="0" algn="l" rtl="0">
-              <a:spcBef>
-                <a:spcPts val="0"/>
-              </a:spcBef>
-              <a:spcAft>
-                <a:spcPts val="0"/>
-              </a:spcAft>
+            <a:pPr marL="0" indent="0">
               <a:buNone/>
             </a:pPr>
             <a:r>
@@ -10087,13 +9381,10 @@
             <a:endParaRPr sz="2400" b="1" dirty="0"/>
           </a:p>
           <a:p>
-            <a:pPr marL="0" lvl="0" indent="0" algn="l" rtl="0">
+            <a:pPr marL="0" indent="0">
               <a:spcBef>
                 <a:spcPts val="1200"/>
               </a:spcBef>
-              <a:spcAft>
-                <a:spcPts val="0"/>
-              </a:spcAft>
               <a:buNone/>
             </a:pPr>
             <a:r>
@@ -10103,13 +9394,10 @@
             <a:endParaRPr sz="2400" b="1" dirty="0"/>
           </a:p>
           <a:p>
-            <a:pPr marL="0" lvl="0" indent="457200" algn="l" rtl="0">
+            <a:pPr marL="0" indent="457200">
               <a:spcBef>
                 <a:spcPts val="1200"/>
               </a:spcBef>
-              <a:spcAft>
-                <a:spcPts val="0"/>
-              </a:spcAft>
               <a:buNone/>
             </a:pPr>
             <a:r>
@@ -10119,13 +9407,10 @@
             <a:endParaRPr sz="2400" b="1" dirty="0"/>
           </a:p>
           <a:p>
-            <a:pPr marL="0" lvl="0" indent="457200" algn="l" rtl="0">
+            <a:pPr marL="0" indent="457200">
               <a:spcBef>
                 <a:spcPts val="1200"/>
               </a:spcBef>
-              <a:spcAft>
-                <a:spcPts val="0"/>
-              </a:spcAft>
               <a:buNone/>
             </a:pPr>
             <a:r>
@@ -10135,13 +9420,10 @@
             <a:endParaRPr sz="2400" b="1" dirty="0"/>
           </a:p>
           <a:p>
-            <a:pPr marL="0" lvl="0" indent="457200" algn="l" rtl="0">
+            <a:pPr marL="0" indent="457200">
               <a:spcBef>
                 <a:spcPts val="1200"/>
               </a:spcBef>
-              <a:spcAft>
-                <a:spcPts val="0"/>
-              </a:spcAft>
               <a:buNone/>
             </a:pPr>
             <a:r>
@@ -10151,13 +9433,10 @@
             <a:endParaRPr sz="2400" b="1" dirty="0"/>
           </a:p>
           <a:p>
-            <a:pPr marL="0" lvl="0" indent="0" algn="l" rtl="0">
+            <a:pPr marL="0" indent="0">
               <a:spcBef>
                 <a:spcPts val="1200"/>
               </a:spcBef>
-              <a:spcAft>
-                <a:spcPts val="0"/>
-              </a:spcAft>
               <a:buNone/>
             </a:pPr>
             <a:r>
@@ -10167,18 +9446,14 @@
             <a:endParaRPr sz="2400" b="1" dirty="0"/>
           </a:p>
           <a:p>
-            <a:pPr marL="0" lvl="0" indent="457200" algn="l" rtl="0">
+            <a:pPr marL="0" indent="457200">
               <a:spcBef>
                 <a:spcPts val="1200"/>
               </a:spcBef>
-              <a:spcAft>
-                <a:spcPts val="0"/>
-              </a:spcAft>
               <a:buClr>
                 <a:schemeClr val="dk1"/>
               </a:buClr>
               <a:buSzPts val="1100"/>
-              <a:buFont typeface="Arial"/>
               <a:buNone/>
             </a:pPr>
             <a:r>
@@ -10188,18 +9463,14 @@
             <a:endParaRPr sz="2400" b="1" dirty="0"/>
           </a:p>
           <a:p>
-            <a:pPr marL="0" lvl="0" indent="457200" algn="l" rtl="0">
+            <a:pPr marL="0" indent="457200">
               <a:spcBef>
                 <a:spcPts val="1200"/>
               </a:spcBef>
-              <a:spcAft>
-                <a:spcPts val="0"/>
-              </a:spcAft>
               <a:buClr>
                 <a:schemeClr val="dk1"/>
               </a:buClr>
               <a:buSzPts val="1100"/>
-              <a:buFont typeface="Arial"/>
               <a:buNone/>
             </a:pPr>
             <a:r>
@@ -10209,18 +9480,14 @@
             <a:endParaRPr sz="2400" b="1" dirty="0"/>
           </a:p>
           <a:p>
-            <a:pPr marL="0" lvl="0" indent="457200" algn="l" rtl="0">
+            <a:pPr marL="0" indent="457200">
               <a:spcBef>
                 <a:spcPts val="1200"/>
               </a:spcBef>
-              <a:spcAft>
-                <a:spcPts val="0"/>
-              </a:spcAft>
               <a:buClr>
                 <a:schemeClr val="dk1"/>
               </a:buClr>
               <a:buSzPts val="1100"/>
-              <a:buFont typeface="Arial"/>
               <a:buNone/>
             </a:pPr>
             <a:r>
@@ -10230,7 +9497,7 @@
             <a:endParaRPr sz="2400" b="1" dirty="0"/>
           </a:p>
           <a:p>
-            <a:pPr marL="0" lvl="0" indent="457200" algn="l" rtl="0">
+            <a:pPr marL="0" indent="457200">
               <a:spcBef>
                 <a:spcPts val="1200"/>
               </a:spcBef>
@@ -10255,7 +9522,7 @@
         </p:nvSpPr>
         <p:spPr>
           <a:xfrm>
-            <a:off x="3710675" y="1579800"/>
+            <a:off x="5234675" y="1579800"/>
             <a:ext cx="5121600" cy="1231500"/>
           </a:xfrm>
           <a:prstGeom prst="rect">
@@ -10272,13 +9539,7 @@
           </a:bodyPr>
           <a:lstStyle/>
           <a:p>
-            <a:pPr marL="457200" lvl="0" indent="-336550" algn="l" rtl="0">
-              <a:spcBef>
-                <a:spcPts val="0"/>
-              </a:spcBef>
-              <a:spcAft>
-                <a:spcPts val="0"/>
-              </a:spcAft>
+            <a:pPr marL="457200" indent="-336550">
               <a:buSzPts val="1700"/>
               <a:buAutoNum type="arabicPeriod"/>
             </a:pPr>
@@ -10289,13 +9550,7 @@
             <a:endParaRPr sz="1700"/>
           </a:p>
           <a:p>
-            <a:pPr marL="457200" lvl="0" indent="-336550" algn="l" rtl="0">
-              <a:spcBef>
-                <a:spcPts val="0"/>
-              </a:spcBef>
-              <a:spcAft>
-                <a:spcPts val="0"/>
-              </a:spcAft>
+            <a:pPr marL="457200" indent="-336550">
               <a:buSzPts val="1700"/>
               <a:buAutoNum type="arabicPeriod"/>
             </a:pPr>
@@ -10306,13 +9561,7 @@
             <a:endParaRPr sz="1700"/>
           </a:p>
           <a:p>
-            <a:pPr marL="457200" lvl="0" indent="-336550" algn="l" rtl="0">
-              <a:spcBef>
-                <a:spcPts val="0"/>
-              </a:spcBef>
-              <a:spcAft>
-                <a:spcPts val="0"/>
-              </a:spcAft>
+            <a:pPr marL="457200" indent="-336550">
               <a:buSzPts val="1700"/>
               <a:buAutoNum type="arabicPeriod"/>
             </a:pPr>
@@ -10332,7 +9581,7 @@
         </p:nvSpPr>
         <p:spPr>
           <a:xfrm>
-            <a:off x="2951400" y="2400300"/>
+            <a:off x="4475400" y="2400300"/>
             <a:ext cx="269400" cy="1665600"/>
           </a:xfrm>
           <a:prstGeom prst="rightBracket">
@@ -10357,15 +9606,6 @@
           </a:bodyPr>
           <a:lstStyle/>
           <a:p>
-            <a:pPr marL="0" lvl="0" indent="0" algn="l" rtl="0">
-              <a:spcBef>
-                <a:spcPts val="0"/>
-              </a:spcBef>
-              <a:spcAft>
-                <a:spcPts val="0"/>
-              </a:spcAft>
-              <a:buNone/>
-            </a:pPr>
             <a:endParaRPr/>
           </a:p>
         </p:txBody>
@@ -10378,7 +9618,7 @@
         </p:nvSpPr>
         <p:spPr>
           <a:xfrm>
-            <a:off x="2755475" y="1654000"/>
+            <a:off x="4279475" y="1654000"/>
             <a:ext cx="1347000" cy="400200"/>
           </a:xfrm>
           <a:prstGeom prst="rect">
@@ -10395,15 +9635,6 @@
           </a:bodyPr>
           <a:lstStyle/>
           <a:p>
-            <a:pPr marL="0" lvl="0" indent="0" algn="l" rtl="0">
-              <a:spcBef>
-                <a:spcPts val="0"/>
-              </a:spcBef>
-              <a:spcAft>
-                <a:spcPts val="0"/>
-              </a:spcAft>
-              <a:buNone/>
-            </a:pPr>
             <a:r>
               <a:rPr lang="en"/>
               <a:t>아래1 코드</a:t>
@@ -10420,7 +9651,7 @@
         </p:nvSpPr>
         <p:spPr>
           <a:xfrm>
-            <a:off x="2846625" y="4120975"/>
+            <a:off x="4370625" y="4120975"/>
             <a:ext cx="1255800" cy="400200"/>
           </a:xfrm>
           <a:prstGeom prst="rect">
@@ -10437,15 +9668,6 @@
           </a:bodyPr>
           <a:lstStyle/>
           <a:p>
-            <a:pPr marL="0" lvl="0" indent="0" algn="l" rtl="0">
-              <a:spcBef>
-                <a:spcPts val="0"/>
-              </a:spcBef>
-              <a:spcAft>
-                <a:spcPts val="0"/>
-              </a:spcAft>
-              <a:buNone/>
-            </a:pPr>
             <a:r>
               <a:rPr lang="en"/>
               <a:t>아래2 코드</a:t>
@@ -10462,7 +9684,7 @@
         </p:nvSpPr>
         <p:spPr>
           <a:xfrm>
-            <a:off x="2951400" y="4744825"/>
+            <a:off x="4475400" y="4744825"/>
             <a:ext cx="269400" cy="1665600"/>
           </a:xfrm>
           <a:prstGeom prst="rightBracket">
@@ -10487,15 +9709,6 @@
           </a:bodyPr>
           <a:lstStyle/>
           <a:p>
-            <a:pPr marL="0" lvl="0" indent="0" algn="l" rtl="0">
-              <a:spcBef>
-                <a:spcPts val="0"/>
-              </a:spcBef>
-              <a:spcAft>
-                <a:spcPts val="0"/>
-              </a:spcAft>
-              <a:buNone/>
-            </a:pPr>
             <a:endParaRPr/>
           </a:p>
         </p:txBody>
@@ -10516,7 +9729,7 @@
         </p:blipFill>
         <p:spPr>
           <a:xfrm>
-            <a:off x="4876050" y="3209238"/>
+            <a:off x="6400051" y="3209239"/>
             <a:ext cx="2790825" cy="2790825"/>
           </a:xfrm>
           <a:prstGeom prst="rect">
@@ -10565,7 +9778,7 @@
         </p:nvSpPr>
         <p:spPr>
           <a:xfrm>
-            <a:off x="311700" y="593375"/>
+            <a:off x="1835700" y="593375"/>
             <a:ext cx="8832300" cy="763500"/>
           </a:xfrm>
           <a:prstGeom prst="rect">
@@ -10578,15 +9791,6 @@
           </a:bodyPr>
           <a:lstStyle/>
           <a:p>
-            <a:pPr marL="0" lvl="0" indent="0" algn="l" rtl="0">
-              <a:spcBef>
-                <a:spcPts val="0"/>
-              </a:spcBef>
-              <a:spcAft>
-                <a:spcPts val="0"/>
-              </a:spcAft>
-              <a:buNone/>
-            </a:pPr>
             <a:r>
               <a:rPr lang="en" b="1"/>
               <a:t>퀴즈 5-1: 홀수와 짝수를 구분하는 코드를 만들기 </a:t>
@@ -10607,7 +9811,7 @@
         </p:nvSpPr>
         <p:spPr>
           <a:xfrm>
-            <a:off x="311700" y="1536633"/>
+            <a:off x="1835700" y="1536633"/>
             <a:ext cx="8520600" cy="4555200"/>
           </a:xfrm>
           <a:prstGeom prst="rect">
@@ -10620,18 +9824,11 @@
           </a:bodyPr>
           <a:lstStyle/>
           <a:p>
-            <a:pPr marL="0" lvl="0" indent="0" algn="l" rtl="0">
-              <a:spcBef>
-                <a:spcPts val="0"/>
-              </a:spcBef>
-              <a:spcAft>
-                <a:spcPts val="0"/>
-              </a:spcAft>
+            <a:pPr marL="0" indent="0">
               <a:buClr>
                 <a:schemeClr val="dk1"/>
               </a:buClr>
               <a:buSzPts val="1100"/>
-              <a:buFont typeface="Arial"/>
               <a:buNone/>
             </a:pPr>
             <a:r>
@@ -10641,35 +9838,27 @@
             <a:endParaRPr dirty="0"/>
           </a:p>
           <a:p>
-            <a:pPr marL="0" lvl="0" indent="0" algn="l" rtl="0">
+            <a:pPr marL="0" indent="0">
               <a:spcBef>
                 <a:spcPts val="1200"/>
               </a:spcBef>
-              <a:spcAft>
-                <a:spcPts val="0"/>
-              </a:spcAft>
               <a:buClr>
                 <a:schemeClr val="dk1"/>
               </a:buClr>
               <a:buSzPts val="1100"/>
-              <a:buFont typeface="Arial"/>
               <a:buNone/>
             </a:pPr>
             <a:endParaRPr dirty="0"/>
           </a:p>
           <a:p>
-            <a:pPr marL="0" lvl="0" indent="0" algn="l" rtl="0">
+            <a:pPr marL="0" indent="0">
               <a:spcBef>
                 <a:spcPts val="1200"/>
               </a:spcBef>
-              <a:spcAft>
-                <a:spcPts val="0"/>
-              </a:spcAft>
               <a:buClr>
                 <a:schemeClr val="dk1"/>
               </a:buClr>
               <a:buSzPts val="1100"/>
-              <a:buFont typeface="Arial"/>
               <a:buNone/>
             </a:pPr>
             <a:r>
@@ -10679,35 +9868,27 @@
             <a:endParaRPr dirty="0"/>
           </a:p>
           <a:p>
-            <a:pPr marL="0" lvl="0" indent="0" algn="l" rtl="0">
+            <a:pPr marL="0" indent="0">
               <a:spcBef>
                 <a:spcPts val="1200"/>
               </a:spcBef>
-              <a:spcAft>
-                <a:spcPts val="0"/>
-              </a:spcAft>
               <a:buClr>
                 <a:schemeClr val="dk1"/>
               </a:buClr>
               <a:buSzPts val="1100"/>
-              <a:buFont typeface="Arial"/>
               <a:buNone/>
             </a:pPr>
             <a:endParaRPr dirty="0"/>
           </a:p>
           <a:p>
-            <a:pPr marL="0" lvl="0" indent="0" algn="l" rtl="0">
+            <a:pPr marL="0" indent="0">
               <a:spcBef>
                 <a:spcPts val="1200"/>
               </a:spcBef>
-              <a:spcAft>
-                <a:spcPts val="0"/>
-              </a:spcAft>
               <a:buClr>
                 <a:schemeClr val="dk1"/>
               </a:buClr>
               <a:buSzPts val="1100"/>
-              <a:buFont typeface="Arial"/>
               <a:buNone/>
             </a:pPr>
             <a:r>
@@ -10721,13 +9902,10 @@
             <a:endParaRPr dirty="0"/>
           </a:p>
           <a:p>
-            <a:pPr marL="0" lvl="0" indent="457200" algn="l" rtl="0">
+            <a:pPr marL="0" indent="457200">
               <a:spcBef>
                 <a:spcPts val="1200"/>
               </a:spcBef>
-              <a:spcAft>
-                <a:spcPts val="0"/>
-              </a:spcAft>
               <a:buNone/>
             </a:pPr>
             <a:r>
@@ -10737,18 +9915,14 @@
             <a:endParaRPr dirty="0"/>
           </a:p>
           <a:p>
-            <a:pPr marL="0" lvl="0" indent="0" algn="l" rtl="0">
+            <a:pPr marL="0" indent="0">
               <a:spcBef>
                 <a:spcPts val="1200"/>
               </a:spcBef>
-              <a:spcAft>
-                <a:spcPts val="0"/>
-              </a:spcAft>
               <a:buClr>
                 <a:schemeClr val="dk1"/>
               </a:buClr>
               <a:buSzPts val="1100"/>
-              <a:buFont typeface="Arial"/>
               <a:buNone/>
             </a:pPr>
             <a:r>
@@ -10758,18 +9932,14 @@
             <a:endParaRPr dirty="0"/>
           </a:p>
           <a:p>
-            <a:pPr marL="0" lvl="0" indent="0" algn="l" rtl="0">
+            <a:pPr marL="0" indent="0">
               <a:spcBef>
                 <a:spcPts val="1200"/>
               </a:spcBef>
-              <a:spcAft>
-                <a:spcPts val="0"/>
-              </a:spcAft>
               <a:buClr>
                 <a:schemeClr val="dk1"/>
               </a:buClr>
               <a:buSzPts val="1100"/>
-              <a:buFont typeface="Arial"/>
               <a:buNone/>
             </a:pPr>
             <a:r>
@@ -10779,7 +9949,7 @@
             <a:endParaRPr dirty="0"/>
           </a:p>
           <a:p>
-            <a:pPr marL="0" lvl="0" indent="0" algn="l" rtl="0">
+            <a:pPr marL="0" indent="0">
               <a:spcBef>
                 <a:spcPts val="1200"/>
               </a:spcBef>
